--- a/Presentations/RoboticorpLab09.pptx
+++ b/Presentations/RoboticorpLab09.pptx
@@ -724,7 +724,7 @@
             <a:fld id="{578D3EDA-CDD4-4B8C-8889-A1E60E6090FC}" type="datetimeFigureOut">
               <a:rPr lang="en-US" smtClean="0"/>
               <a:pPr/>
-              <a:t>4/28/2013</a:t>
+              <a:t>4/29/2013</a:t>
             </a:fld>
             <a:endParaRPr lang="en-US"/>
           </a:p>
@@ -914,7 +914,7 @@
             <a:fld id="{578D3EDA-CDD4-4B8C-8889-A1E60E6090FC}" type="datetimeFigureOut">
               <a:rPr lang="en-US" smtClean="0"/>
               <a:pPr/>
-              <a:t>4/28/2013</a:t>
+              <a:t>4/29/2013</a:t>
             </a:fld>
             <a:endParaRPr lang="en-US"/>
           </a:p>
@@ -1091,7 +1091,7 @@
             <a:fld id="{578D3EDA-CDD4-4B8C-8889-A1E60E6090FC}" type="datetimeFigureOut">
               <a:rPr lang="en-US" smtClean="0"/>
               <a:pPr/>
-              <a:t>4/28/2013</a:t>
+              <a:t>4/29/2013</a:t>
             </a:fld>
             <a:endParaRPr lang="en-US"/>
           </a:p>
@@ -1235,7 +1235,7 @@
             <a:fld id="{578D3EDA-CDD4-4B8C-8889-A1E60E6090FC}" type="datetimeFigureOut">
               <a:rPr lang="en-US" smtClean="0"/>
               <a:pPr/>
-              <a:t>4/28/2013</a:t>
+              <a:t>4/29/2013</a:t>
             </a:fld>
             <a:endParaRPr lang="en-US"/>
           </a:p>
@@ -1482,7 +1482,7 @@
             <a:fld id="{578D3EDA-CDD4-4B8C-8889-A1E60E6090FC}" type="datetimeFigureOut">
               <a:rPr lang="en-US" smtClean="0"/>
               <a:pPr/>
-              <a:t>4/28/2013</a:t>
+              <a:t>4/29/2013</a:t>
             </a:fld>
             <a:endParaRPr lang="en-US"/>
           </a:p>
@@ -1881,7 +1881,7 @@
             <a:fld id="{578D3EDA-CDD4-4B8C-8889-A1E60E6090FC}" type="datetimeFigureOut">
               <a:rPr lang="en-US" smtClean="0"/>
               <a:pPr/>
-              <a:t>4/28/2013</a:t>
+              <a:t>4/29/2013</a:t>
             </a:fld>
             <a:endParaRPr lang="en-US"/>
           </a:p>
@@ -2316,7 +2316,7 @@
             <a:fld id="{578D3EDA-CDD4-4B8C-8889-A1E60E6090FC}" type="datetimeFigureOut">
               <a:rPr lang="en-US" smtClean="0"/>
               <a:pPr/>
-              <a:t>4/28/2013</a:t>
+              <a:t>4/29/2013</a:t>
             </a:fld>
             <a:endParaRPr lang="en-US"/>
           </a:p>
@@ -2413,7 +2413,7 @@
             <a:fld id="{578D3EDA-CDD4-4B8C-8889-A1E60E6090FC}" type="datetimeFigureOut">
               <a:rPr lang="en-US" smtClean="0"/>
               <a:pPr/>
-              <a:t>4/28/2013</a:t>
+              <a:t>4/29/2013</a:t>
             </a:fld>
             <a:endParaRPr lang="en-US"/>
           </a:p>
@@ -2528,7 +2528,7 @@
             <a:fld id="{578D3EDA-CDD4-4B8C-8889-A1E60E6090FC}" type="datetimeFigureOut">
               <a:rPr lang="en-US" smtClean="0"/>
               <a:pPr/>
-              <a:t>4/28/2013</a:t>
+              <a:t>4/29/2013</a:t>
             </a:fld>
             <a:endParaRPr lang="en-US"/>
           </a:p>
@@ -2795,7 +2795,7 @@
             <a:fld id="{578D3EDA-CDD4-4B8C-8889-A1E60E6090FC}" type="datetimeFigureOut">
               <a:rPr lang="en-US" smtClean="0"/>
               <a:pPr/>
-              <a:t>4/28/2013</a:t>
+              <a:t>4/29/2013</a:t>
             </a:fld>
             <a:endParaRPr lang="en-US"/>
           </a:p>
@@ -2995,7 +2995,7 @@
             <a:fld id="{578D3EDA-CDD4-4B8C-8889-A1E60E6090FC}" type="datetimeFigureOut">
               <a:rPr lang="en-US" smtClean="0"/>
               <a:pPr/>
-              <a:t>4/28/2013</a:t>
+              <a:t>4/29/2013</a:t>
             </a:fld>
             <a:endParaRPr lang="en-US"/>
           </a:p>
@@ -4082,7 +4082,7 @@
             <a:fld id="{578D3EDA-CDD4-4B8C-8889-A1E60E6090FC}" type="datetimeFigureOut">
               <a:rPr lang="en-US" smtClean="0"/>
               <a:pPr/>
-              <a:t>4/28/2013</a:t>
+              <a:t>4/29/2013</a:t>
             </a:fld>
             <a:endParaRPr lang="en-US"/>
           </a:p>
@@ -4919,11 +4919,7 @@
             <a:pPr lvl="2"/>
             <a:r>
               <a:rPr lang="en-US" sz="2800" dirty="0" smtClean="0"/>
-              <a:t>Movement with </a:t>
-            </a:r>
-            <a:r>
-              <a:rPr lang="en-US" sz="2800" dirty="0" smtClean="0"/>
-              <a:t>noises</a:t>
+              <a:t>Movement with noises</a:t>
             </a:r>
           </a:p>
           <a:p>
@@ -4932,7 +4928,6 @@
               <a:rPr lang="en-US" sz="2800" dirty="0" smtClean="0"/>
               <a:t>Controllable with button press</a:t>
             </a:r>
-            <a:endParaRPr lang="en-US" sz="2800" dirty="0" smtClean="0"/>
           </a:p>
           <a:p>
             <a:pPr lvl="2"/>
@@ -5040,11 +5035,7 @@
             <a:pPr lvl="1"/>
             <a:r>
               <a:rPr lang="en-US" dirty="0" smtClean="0"/>
-              <a:t>Consistent meeting </a:t>
-            </a:r>
-            <a:r>
-              <a:rPr lang="en-US" dirty="0" smtClean="0"/>
-              <a:t>times</a:t>
+              <a:t>Consistent meeting times</a:t>
             </a:r>
           </a:p>
           <a:p>
@@ -5086,8 +5077,9 @@
             <a:pPr lvl="1"/>
             <a:r>
               <a:rPr lang="en-US" dirty="0" smtClean="0"/>
-              <a:t>Stolen robot</a:t>
-            </a:r>
+              <a:t>Robot missing during meeting</a:t>
+            </a:r>
+            <a:endParaRPr lang="en-US" dirty="0" smtClean="0"/>
           </a:p>
           <a:p>
             <a:pPr lvl="1"/>

--- a/Presentations/RoboticorpLab09.pptx
+++ b/Presentations/RoboticorpLab09.pptx
@@ -15,94 +15,124 @@
     <a:defPPr>
       <a:defRPr lang="en-US"/>
     </a:defPPr>
-    <a:lvl1pPr marL="0" algn="l" defTabSz="914400" rtl="0" eaLnBrk="1" latinLnBrk="0" hangingPunct="1">
-      <a:defRPr sz="1800" kern="1200">
+    <a:lvl1pPr algn="l" rtl="0" eaLnBrk="0" fontAlgn="base" hangingPunct="0">
+      <a:spcBef>
+        <a:spcPct val="0"/>
+      </a:spcBef>
+      <a:spcAft>
+        <a:spcPct val="0"/>
+      </a:spcAft>
+      <a:defRPr kern="1200">
         <a:solidFill>
           <a:schemeClr val="tx1"/>
         </a:solidFill>
-        <a:latin typeface="+mn-lt"/>
+        <a:latin typeface="Arial" charset="0"/>
         <a:ea typeface="+mn-ea"/>
-        <a:cs typeface="+mn-cs"/>
+        <a:cs typeface="Arial" charset="0"/>
       </a:defRPr>
     </a:lvl1pPr>
-    <a:lvl2pPr marL="457200" algn="l" defTabSz="914400" rtl="0" eaLnBrk="1" latinLnBrk="0" hangingPunct="1">
-      <a:defRPr sz="1800" kern="1200">
+    <a:lvl2pPr marL="457200" algn="l" rtl="0" eaLnBrk="0" fontAlgn="base" hangingPunct="0">
+      <a:spcBef>
+        <a:spcPct val="0"/>
+      </a:spcBef>
+      <a:spcAft>
+        <a:spcPct val="0"/>
+      </a:spcAft>
+      <a:defRPr kern="1200">
         <a:solidFill>
           <a:schemeClr val="tx1"/>
         </a:solidFill>
-        <a:latin typeface="+mn-lt"/>
+        <a:latin typeface="Arial" charset="0"/>
         <a:ea typeface="+mn-ea"/>
-        <a:cs typeface="+mn-cs"/>
+        <a:cs typeface="Arial" charset="0"/>
       </a:defRPr>
     </a:lvl2pPr>
-    <a:lvl3pPr marL="914400" algn="l" defTabSz="914400" rtl="0" eaLnBrk="1" latinLnBrk="0" hangingPunct="1">
-      <a:defRPr sz="1800" kern="1200">
+    <a:lvl3pPr marL="914400" algn="l" rtl="0" eaLnBrk="0" fontAlgn="base" hangingPunct="0">
+      <a:spcBef>
+        <a:spcPct val="0"/>
+      </a:spcBef>
+      <a:spcAft>
+        <a:spcPct val="0"/>
+      </a:spcAft>
+      <a:defRPr kern="1200">
         <a:solidFill>
           <a:schemeClr val="tx1"/>
         </a:solidFill>
-        <a:latin typeface="+mn-lt"/>
+        <a:latin typeface="Arial" charset="0"/>
         <a:ea typeface="+mn-ea"/>
-        <a:cs typeface="+mn-cs"/>
+        <a:cs typeface="Arial" charset="0"/>
       </a:defRPr>
     </a:lvl3pPr>
-    <a:lvl4pPr marL="1371600" algn="l" defTabSz="914400" rtl="0" eaLnBrk="1" latinLnBrk="0" hangingPunct="1">
-      <a:defRPr sz="1800" kern="1200">
+    <a:lvl4pPr marL="1371600" algn="l" rtl="0" eaLnBrk="0" fontAlgn="base" hangingPunct="0">
+      <a:spcBef>
+        <a:spcPct val="0"/>
+      </a:spcBef>
+      <a:spcAft>
+        <a:spcPct val="0"/>
+      </a:spcAft>
+      <a:defRPr kern="1200">
         <a:solidFill>
           <a:schemeClr val="tx1"/>
         </a:solidFill>
-        <a:latin typeface="+mn-lt"/>
+        <a:latin typeface="Arial" charset="0"/>
         <a:ea typeface="+mn-ea"/>
-        <a:cs typeface="+mn-cs"/>
+        <a:cs typeface="Arial" charset="0"/>
       </a:defRPr>
     </a:lvl4pPr>
-    <a:lvl5pPr marL="1828800" algn="l" defTabSz="914400" rtl="0" eaLnBrk="1" latinLnBrk="0" hangingPunct="1">
-      <a:defRPr sz="1800" kern="1200">
+    <a:lvl5pPr marL="1828800" algn="l" rtl="0" eaLnBrk="0" fontAlgn="base" hangingPunct="0">
+      <a:spcBef>
+        <a:spcPct val="0"/>
+      </a:spcBef>
+      <a:spcAft>
+        <a:spcPct val="0"/>
+      </a:spcAft>
+      <a:defRPr kern="1200">
         <a:solidFill>
           <a:schemeClr val="tx1"/>
         </a:solidFill>
-        <a:latin typeface="+mn-lt"/>
+        <a:latin typeface="Arial" charset="0"/>
         <a:ea typeface="+mn-ea"/>
-        <a:cs typeface="+mn-cs"/>
+        <a:cs typeface="Arial" charset="0"/>
       </a:defRPr>
     </a:lvl5pPr>
     <a:lvl6pPr marL="2286000" algn="l" defTabSz="914400" rtl="0" eaLnBrk="1" latinLnBrk="0" hangingPunct="1">
-      <a:defRPr sz="1800" kern="1200">
+      <a:defRPr kern="1200">
         <a:solidFill>
           <a:schemeClr val="tx1"/>
         </a:solidFill>
-        <a:latin typeface="+mn-lt"/>
+        <a:latin typeface="Arial" charset="0"/>
         <a:ea typeface="+mn-ea"/>
-        <a:cs typeface="+mn-cs"/>
+        <a:cs typeface="Arial" charset="0"/>
       </a:defRPr>
     </a:lvl6pPr>
     <a:lvl7pPr marL="2743200" algn="l" defTabSz="914400" rtl="0" eaLnBrk="1" latinLnBrk="0" hangingPunct="1">
-      <a:defRPr sz="1800" kern="1200">
+      <a:defRPr kern="1200">
         <a:solidFill>
           <a:schemeClr val="tx1"/>
         </a:solidFill>
-        <a:latin typeface="+mn-lt"/>
+        <a:latin typeface="Arial" charset="0"/>
         <a:ea typeface="+mn-ea"/>
-        <a:cs typeface="+mn-cs"/>
+        <a:cs typeface="Arial" charset="0"/>
       </a:defRPr>
     </a:lvl7pPr>
     <a:lvl8pPr marL="3200400" algn="l" defTabSz="914400" rtl="0" eaLnBrk="1" latinLnBrk="0" hangingPunct="1">
-      <a:defRPr sz="1800" kern="1200">
+      <a:defRPr kern="1200">
         <a:solidFill>
           <a:schemeClr val="tx1"/>
         </a:solidFill>
-        <a:latin typeface="+mn-lt"/>
+        <a:latin typeface="Arial" charset="0"/>
         <a:ea typeface="+mn-ea"/>
-        <a:cs typeface="+mn-cs"/>
+        <a:cs typeface="Arial" charset="0"/>
       </a:defRPr>
     </a:lvl8pPr>
     <a:lvl9pPr marL="3657600" algn="l" defTabSz="914400" rtl="0" eaLnBrk="1" latinLnBrk="0" hangingPunct="1">
-      <a:defRPr sz="1800" kern="1200">
+      <a:defRPr kern="1200">
         <a:solidFill>
           <a:schemeClr val="tx1"/>
         </a:solidFill>
-        <a:latin typeface="+mn-lt"/>
+        <a:latin typeface="Arial" charset="0"/>
         <a:ea typeface="+mn-ea"/>
-        <a:cs typeface="+mn-cs"/>
+        <a:cs typeface="Arial" charset="0"/>
       </a:defRPr>
     </a:lvl9pPr>
   </p:defaultTextStyle>
@@ -128,14 +158,14 @@
       </p:grpSpPr>
       <p:sp>
         <p:nvSpPr>
-          <p:cNvPr id="10" name="Right Triangle 9"/>
+          <p:cNvPr id="4" name="Right Triangle 9"/>
           <p:cNvSpPr/>
           <p:nvPr/>
         </p:nvSpPr>
         <p:spPr>
           <a:xfrm>
-            <a:off x="-2" y="4664147"/>
-            <a:ext cx="9151089" cy="0"/>
+            <a:off x="0" y="4664075"/>
+            <a:ext cx="9150350" cy="0"/>
           </a:xfrm>
           <a:prstGeom prst="rtTriangle">
             <a:avLst/>
@@ -191,141 +221,38 @@
           <a:bodyPr anchor="ctr"/>
           <a:lstStyle/>
           <a:p>
-            <a:pPr algn="ctr" eaLnBrk="1" latinLnBrk="0" hangingPunct="1"/>
-            <a:endParaRPr kumimoji="0" lang="en-US"/>
-          </a:p>
-        </p:txBody>
-      </p:sp>
-      <p:sp>
-        <p:nvSpPr>
-          <p:cNvPr id="9" name="Title 8"/>
-          <p:cNvSpPr>
-            <a:spLocks noGrp="1"/>
-          </p:cNvSpPr>
-          <p:nvPr>
-            <p:ph type="ctrTitle"/>
-          </p:nvPr>
-        </p:nvSpPr>
-        <p:spPr>
-          <a:xfrm>
-            <a:off x="685800" y="1752601"/>
-            <a:ext cx="7772400" cy="1829761"/>
-          </a:xfrm>
-        </p:spPr>
-        <p:txBody>
-          <a:bodyPr vert="horz" anchor="b">
-            <a:normAutofit/>
-            <a:scene3d>
-              <a:camera prst="orthographicFront"/>
-              <a:lightRig rig="soft" dir="t"/>
-            </a:scene3d>
-            <a:sp3d prstMaterial="softEdge">
-              <a:bevelT w="25400" h="25400"/>
-            </a:sp3d>
-          </a:bodyPr>
-          <a:lstStyle>
-            <a:lvl1pPr algn="r">
-              <a:defRPr sz="4800" b="1">
-                <a:solidFill>
-                  <a:schemeClr val="tx2"/>
-                </a:solidFill>
-                <a:effectLst>
-                  <a:outerShdw blurRad="31750" dist="25400" dir="5400000" algn="tl" rotWithShape="0">
-                    <a:srgbClr val="000000">
-                      <a:alpha val="25000"/>
-                    </a:srgbClr>
-                  </a:outerShdw>
-                </a:effectLst>
-              </a:defRPr>
-            </a:lvl1pPr>
-          </a:lstStyle>
-          <a:p>
-            <a:r>
-              <a:rPr kumimoji="0" lang="en-US" smtClean="0"/>
-              <a:t>Click to edit Master title style</a:t>
-            </a:r>
-            <a:endParaRPr kumimoji="0" lang="en-US"/>
-          </a:p>
-        </p:txBody>
-      </p:sp>
-      <p:sp>
-        <p:nvSpPr>
-          <p:cNvPr id="17" name="Subtitle 16"/>
-          <p:cNvSpPr>
-            <a:spLocks noGrp="1"/>
-          </p:cNvSpPr>
-          <p:nvPr>
-            <p:ph type="subTitle" idx="1"/>
-          </p:nvPr>
-        </p:nvSpPr>
-        <p:spPr>
-          <a:xfrm>
-            <a:off x="685800" y="3611607"/>
-            <a:ext cx="7772400" cy="1199704"/>
-          </a:xfrm>
-        </p:spPr>
-        <p:txBody>
-          <a:bodyPr lIns="45720" rIns="45720"/>
-          <a:lstStyle>
-            <a:lvl1pPr marL="0" marR="64008" indent="0" algn="r">
-              <a:buNone/>
-              <a:defRPr>
-                <a:solidFill>
-                  <a:schemeClr val="tx2"/>
-                </a:solidFill>
-              </a:defRPr>
-            </a:lvl1pPr>
-            <a:lvl2pPr marL="457200" indent="0" algn="ctr">
-              <a:buNone/>
-            </a:lvl2pPr>
-            <a:lvl3pPr marL="914400" indent="0" algn="ctr">
-              <a:buNone/>
-            </a:lvl3pPr>
-            <a:lvl4pPr marL="1371600" indent="0" algn="ctr">
-              <a:buNone/>
-            </a:lvl4pPr>
-            <a:lvl5pPr marL="1828800" indent="0" algn="ctr">
-              <a:buNone/>
-            </a:lvl5pPr>
-            <a:lvl6pPr marL="2286000" indent="0" algn="ctr">
-              <a:buNone/>
-            </a:lvl6pPr>
-            <a:lvl7pPr marL="2743200" indent="0" algn="ctr">
-              <a:buNone/>
-            </a:lvl7pPr>
-            <a:lvl8pPr marL="3200400" indent="0" algn="ctr">
-              <a:buNone/>
-            </a:lvl8pPr>
-            <a:lvl9pPr marL="3657600" indent="0" algn="ctr">
-              <a:buNone/>
-            </a:lvl9pPr>
-          </a:lstStyle>
-          <a:p>
-            <a:r>
-              <a:rPr kumimoji="0" lang="en-US" smtClean="0"/>
-              <a:t>Click to edit Master subtitle style</a:t>
-            </a:r>
-            <a:endParaRPr kumimoji="0" lang="en-US"/>
+            <a:pPr algn="ctr" eaLnBrk="1" fontAlgn="auto" hangingPunct="1">
+              <a:spcBef>
+                <a:spcPts val="0"/>
+              </a:spcBef>
+              <a:spcAft>
+                <a:spcPts val="0"/>
+              </a:spcAft>
+              <a:defRPr/>
+            </a:pPr>
+            <a:endParaRPr lang="en-US"/>
           </a:p>
         </p:txBody>
       </p:sp>
       <p:grpSp>
         <p:nvGrpSpPr>
-          <p:cNvPr id="2" name="Group 1"/>
-          <p:cNvGrpSpPr/>
+          <p:cNvPr id="5" name="Group 1"/>
+          <p:cNvGrpSpPr>
+            <a:grpSpLocks/>
+          </p:cNvGrpSpPr>
           <p:nvPr/>
         </p:nvGrpSpPr>
-        <p:grpSpPr>
+        <p:grpSpPr bwMode="auto">
           <a:xfrm>
-            <a:off x="-3765" y="4953000"/>
-            <a:ext cx="9147765" cy="1912088"/>
+            <a:off x="-3175" y="4953000"/>
+            <a:ext cx="9147175" cy="1911350"/>
             <a:chOff x="-3765" y="4832896"/>
             <a:chExt cx="9147765" cy="2032192"/>
           </a:xfrm>
         </p:grpSpPr>
         <p:sp>
           <p:nvSpPr>
-            <p:cNvPr id="7" name="Freeform 6"/>
+            <p:cNvPr id="6" name="Freeform 6"/>
             <p:cNvSpPr>
               <a:spLocks/>
             </p:cNvSpPr>
@@ -333,8 +260,8 @@
           </p:nvSpPr>
           <p:spPr bwMode="auto">
             <a:xfrm>
-              <a:off x="1687513" y="4832896"/>
-              <a:ext cx="7456487" cy="518816"/>
+              <a:off x="1687032" y="4832896"/>
+              <a:ext cx="7456968" cy="518176"/>
             </a:xfrm>
             <a:custGeom>
               <a:avLst>
@@ -399,16 +326,28 @@
             <a:effectLst/>
           </p:spPr>
           <p:txBody>
-            <a:bodyPr vert="horz" wrap="square" lIns="91440" tIns="45720" rIns="91440" bIns="45720" anchor="t" compatLnSpc="1"/>
+            <a:bodyPr/>
             <a:lstStyle/>
             <a:p>
-              <a:endParaRPr kumimoji="0" lang="en-US"/>
+              <a:pPr eaLnBrk="1" fontAlgn="auto" hangingPunct="1">
+                <a:spcBef>
+                  <a:spcPts val="0"/>
+                </a:spcBef>
+                <a:spcAft>
+                  <a:spcPts val="0"/>
+                </a:spcAft>
+                <a:defRPr/>
+              </a:pPr>
+              <a:endParaRPr lang="en-US">
+                <a:latin typeface="+mn-lt"/>
+                <a:cs typeface="+mn-cs"/>
+              </a:endParaRPr>
             </a:p>
           </p:txBody>
         </p:sp>
         <p:sp>
           <p:nvSpPr>
-            <p:cNvPr id="8" name="Freeform 7"/>
+            <p:cNvPr id="7" name="Freeform 7"/>
             <p:cNvSpPr>
               <a:spLocks/>
             </p:cNvSpPr>
@@ -416,37 +355,45 @@
           </p:nvSpPr>
           <p:spPr bwMode="auto">
             <a:xfrm>
-              <a:off x="35443" y="5135526"/>
-              <a:ext cx="9108557" cy="838200"/>
+              <a:off x="35926" y="5135025"/>
+              <a:ext cx="9108074" cy="838869"/>
             </a:xfrm>
             <a:custGeom>
-              <a:avLst>
-                <a:gd name="A1" fmla="val 0"/>
-                <a:gd name="A2" fmla="val 0"/>
-                <a:gd name="A3" fmla="val 0"/>
-                <a:gd name="A4" fmla="val 0"/>
-                <a:gd name="A5" fmla="val 0"/>
-                <a:gd name="A6" fmla="val 0"/>
-                <a:gd name="A7" fmla="val 0"/>
-                <a:gd name="A8" fmla="val 0"/>
-              </a:avLst>
-              <a:gdLst/>
+              <a:avLst/>
+              <a:gdLst>
+                <a:gd name="T0" fmla="*/ 0 w 5760"/>
+                <a:gd name="T1" fmla="*/ 0 h 528"/>
+                <a:gd name="T2" fmla="*/ 5760 w 5760"/>
+                <a:gd name="T3" fmla="*/ 0 h 528"/>
+                <a:gd name="T4" fmla="*/ 5760 w 5760"/>
+                <a:gd name="T5" fmla="*/ 528 h 528"/>
+                <a:gd name="T6" fmla="*/ 48 w 5760"/>
+                <a:gd name="T7" fmla="*/ 0 h 528"/>
+                <a:gd name="T8" fmla="*/ 0 60000 65536"/>
+                <a:gd name="T9" fmla="*/ 0 60000 65536"/>
+                <a:gd name="T10" fmla="*/ 0 60000 65536"/>
+                <a:gd name="T11" fmla="*/ 0 60000 65536"/>
+                <a:gd name="T12" fmla="*/ 0 w 5760"/>
+                <a:gd name="T13" fmla="*/ 0 h 528"/>
+                <a:gd name="T14" fmla="*/ 5760 w 5760"/>
+                <a:gd name="T15" fmla="*/ 528 h 528"/>
+              </a:gdLst>
               <a:ahLst/>
               <a:cxnLst>
-                <a:cxn ang="0">
-                  <a:pos x="0" y="0"/>
+                <a:cxn ang="T8">
+                  <a:pos x="T0" y="T1"/>
                 </a:cxn>
-                <a:cxn ang="0">
-                  <a:pos x="5760" y="0"/>
+                <a:cxn ang="T9">
+                  <a:pos x="T2" y="T3"/>
                 </a:cxn>
-                <a:cxn ang="0">
-                  <a:pos x="5760" y="528"/>
+                <a:cxn ang="T10">
+                  <a:pos x="T4" y="T5"/>
                 </a:cxn>
-                <a:cxn ang="0">
-                  <a:pos x="48" y="0"/>
+                <a:cxn ang="T11">
+                  <a:pos x="T6" y="T7"/>
                 </a:cxn>
               </a:cxnLst>
-              <a:rect l="0" t="0" r="0" b="0"/>
+              <a:rect l="T12" t="T13" r="T14" b="T15"/>
               <a:pathLst>
                 <a:path w="5760" h="528">
                   <a:moveTo>
@@ -465,30 +412,36 @@
               </a:pathLst>
             </a:custGeom>
             <a:solidFill>
-              <a:srgbClr val="000000">
-                <a:alpha val="100000"/>
-              </a:srgbClr>
+              <a:srgbClr val="000000"/>
             </a:solidFill>
-            <a:ln w="9525" cap="flat" cmpd="sng" algn="ctr">
+            <a:ln>
               <a:noFill/>
-              <a:prstDash val="solid"/>
-              <a:round/>
-              <a:headEnd type="none" w="med" len="med"/>
-              <a:tailEnd type="none" w="med" len="med"/>
             </a:ln>
-            <a:effectLst/>
+            <a:extLst>
+              <a:ext uri="{91240B29-F687-4F45-9708-019B960494DF}">
+                <a14:hiddenLine xmlns:a14="http://schemas.microsoft.com/office/drawing/2010/main" w="9525" cap="flat" cmpd="sng" algn="ctr">
+                  <a:solidFill>
+                    <a:srgbClr val="000000"/>
+                  </a:solidFill>
+                  <a:prstDash val="solid"/>
+                  <a:round/>
+                  <a:headEnd type="none" w="med" len="med"/>
+                  <a:tailEnd type="none" w="med" len="med"/>
+                </a14:hiddenLine>
+              </a:ext>
+            </a:extLst>
           </p:spPr>
           <p:txBody>
-            <a:bodyPr vert="horz" wrap="square" lIns="91440" tIns="45720" rIns="91440" bIns="45720" anchor="t" compatLnSpc="1"/>
+            <a:bodyPr/>
             <a:lstStyle/>
             <a:p>
-              <a:endParaRPr kumimoji="0" lang="en-US"/>
+              <a:endParaRPr lang="en-US"/>
             </a:p>
           </p:txBody>
         </p:sp>
         <p:sp>
           <p:nvSpPr>
-            <p:cNvPr id="11" name="Freeform 10"/>
+            <p:cNvPr id="8" name="Freeform 10"/>
             <p:cNvSpPr>
               <a:spLocks/>
             </p:cNvSpPr>
@@ -636,17 +589,25 @@
             </a:fontRef>
           </p:style>
           <p:txBody>
-            <a:bodyPr vert="horz" wrap="square" lIns="91440" tIns="45720" rIns="91440" bIns="45720" anchor="ctr" compatLnSpc="1"/>
+            <a:bodyPr anchor="ctr"/>
             <a:lstStyle/>
             <a:p>
-              <a:pPr algn="ctr" eaLnBrk="1" latinLnBrk="0" hangingPunct="1"/>
-              <a:endParaRPr kumimoji="0" lang="en-US"/>
+              <a:pPr algn="ctr" eaLnBrk="1" fontAlgn="auto" hangingPunct="1">
+                <a:spcBef>
+                  <a:spcPts val="0"/>
+                </a:spcBef>
+                <a:spcAft>
+                  <a:spcPts val="0"/>
+                </a:spcAft>
+                <a:defRPr/>
+              </a:pPr>
+              <a:endParaRPr lang="en-US"/>
             </a:p>
           </p:txBody>
         </p:sp>
         <p:cxnSp>
           <p:nvCxnSpPr>
-            <p:cNvPr id="12" name="Straight Connector 11"/>
+            <p:cNvPr id="10" name="Straight Connector 11"/>
             <p:cNvCxnSpPr/>
             <p:nvPr/>
           </p:nvCxnSpPr>
@@ -700,7 +661,111 @@
       </p:grpSp>
       <p:sp>
         <p:nvSpPr>
-          <p:cNvPr id="30" name="Date Placeholder 29"/>
+          <p:cNvPr id="9" name="Title 8"/>
+          <p:cNvSpPr>
+            <a:spLocks noGrp="1"/>
+          </p:cNvSpPr>
+          <p:nvPr>
+            <p:ph type="ctrTitle"/>
+          </p:nvPr>
+        </p:nvSpPr>
+        <p:spPr>
+          <a:xfrm>
+            <a:off x="685800" y="1752601"/>
+            <a:ext cx="7772400" cy="1829761"/>
+          </a:xfrm>
+        </p:spPr>
+        <p:txBody>
+          <a:bodyPr anchor="b"/>
+          <a:lstStyle>
+            <a:lvl1pPr algn="r">
+              <a:defRPr sz="4800" b="1">
+                <a:solidFill>
+                  <a:schemeClr val="tx2"/>
+                </a:solidFill>
+                <a:effectLst>
+                  <a:outerShdw blurRad="31750" dist="25400" dir="5400000" algn="tl" rotWithShape="0">
+                    <a:srgbClr val="000000">
+                      <a:alpha val="25000"/>
+                    </a:srgbClr>
+                  </a:outerShdw>
+                </a:effectLst>
+              </a:defRPr>
+            </a:lvl1pPr>
+          </a:lstStyle>
+          <a:p>
+            <a:r>
+              <a:rPr lang="en-US" smtClean="0"/>
+              <a:t>Click to edit Master title style</a:t>
+            </a:r>
+            <a:endParaRPr lang="en-US"/>
+          </a:p>
+        </p:txBody>
+      </p:sp>
+      <p:sp>
+        <p:nvSpPr>
+          <p:cNvPr id="17" name="Subtitle 16"/>
+          <p:cNvSpPr>
+            <a:spLocks noGrp="1"/>
+          </p:cNvSpPr>
+          <p:nvPr>
+            <p:ph type="subTitle" idx="1"/>
+          </p:nvPr>
+        </p:nvSpPr>
+        <p:spPr>
+          <a:xfrm>
+            <a:off x="685800" y="3611607"/>
+            <a:ext cx="7772400" cy="1199704"/>
+          </a:xfrm>
+        </p:spPr>
+        <p:txBody>
+          <a:bodyPr lIns="45720" rIns="45720"/>
+          <a:lstStyle>
+            <a:lvl1pPr marL="0" marR="64008" indent="0" algn="r">
+              <a:buNone/>
+              <a:defRPr>
+                <a:solidFill>
+                  <a:schemeClr val="tx2"/>
+                </a:solidFill>
+              </a:defRPr>
+            </a:lvl1pPr>
+            <a:lvl2pPr marL="457200" indent="0" algn="ctr">
+              <a:buNone/>
+            </a:lvl2pPr>
+            <a:lvl3pPr marL="914400" indent="0" algn="ctr">
+              <a:buNone/>
+            </a:lvl3pPr>
+            <a:lvl4pPr marL="1371600" indent="0" algn="ctr">
+              <a:buNone/>
+            </a:lvl4pPr>
+            <a:lvl5pPr marL="1828800" indent="0" algn="ctr">
+              <a:buNone/>
+            </a:lvl5pPr>
+            <a:lvl6pPr marL="2286000" indent="0" algn="ctr">
+              <a:buNone/>
+            </a:lvl6pPr>
+            <a:lvl7pPr marL="2743200" indent="0" algn="ctr">
+              <a:buNone/>
+            </a:lvl7pPr>
+            <a:lvl8pPr marL="3200400" indent="0" algn="ctr">
+              <a:buNone/>
+            </a:lvl8pPr>
+            <a:lvl9pPr marL="3657600" indent="0" algn="ctr">
+              <a:buNone/>
+            </a:lvl9pPr>
+          </a:lstStyle>
+          <a:p>
+            <a:r>
+              <a:rPr lang="en-US" smtClean="0"/>
+              <a:t>Click to edit Master subtitle style</a:t>
+            </a:r>
+            <a:endParaRPr lang="en-US"/>
+          </a:p>
+        </p:txBody>
+      </p:sp>
+      <p:sp>
+        <p:nvSpPr>
+          <p:cNvPr id="11" name="Date Placeholder 29"/>
           <p:cNvSpPr>
             <a:spLocks noGrp="1"/>
           </p:cNvSpPr>
@@ -721,9 +786,14 @@
             </a:lvl1pPr>
           </a:lstStyle>
           <a:p>
-            <a:fld id="{578D3EDA-CDD4-4B8C-8889-A1E60E6090FC}" type="datetimeFigureOut">
-              <a:rPr lang="en-US" smtClean="0"/>
-              <a:pPr/>
+            <a:pPr>
+              <a:defRPr/>
+            </a:pPr>
+            <a:fld id="{7D206CCD-DBE0-4CBC-9744-CCF944D58EE7}" type="datetimeFigureOut">
+              <a:rPr lang="en-US"/>
+              <a:pPr>
+                <a:defRPr/>
+              </a:pPr>
               <a:t>4/29/2013</a:t>
             </a:fld>
             <a:endParaRPr lang="en-US"/>
@@ -732,7 +802,7 @@
       </p:sp>
       <p:sp>
         <p:nvSpPr>
-          <p:cNvPr id="19" name="Footer Placeholder 18"/>
+          <p:cNvPr id="12" name="Footer Placeholder 18"/>
           <p:cNvSpPr>
             <a:spLocks noGrp="1"/>
           </p:cNvSpPr>
@@ -755,13 +825,16 @@
             </a:lvl1pPr>
           </a:lstStyle>
           <a:p>
-            <a:endParaRPr lang="en-US"/>
-          </a:p>
-        </p:txBody>
-      </p:sp>
-      <p:sp>
-        <p:nvSpPr>
-          <p:cNvPr id="27" name="Slide Number Placeholder 26"/>
+            <a:pPr>
+              <a:defRPr/>
+            </a:pPr>
+            <a:endParaRPr lang="en-US"/>
+          </a:p>
+        </p:txBody>
+      </p:sp>
+      <p:sp>
+        <p:nvSpPr>
+          <p:cNvPr id="13" name="Slide Number Placeholder 26"/>
           <p:cNvSpPr>
             <a:spLocks noGrp="1"/>
           </p:cNvSpPr>
@@ -782,8 +855,8 @@
             </a:lvl1pPr>
           </a:lstStyle>
           <a:p>
-            <a:fld id="{C766FA25-E0A3-4D46-9455-78B8C0E697F6}" type="slidenum">
-              <a:rPr lang="en-US" smtClean="0"/>
+            <a:fld id="{47CBDE5D-4C46-41E8-8B3C-BE39ABDC6B49}" type="slidenum">
+              <a:rPr lang="en-US"/>
               <a:pPr/>
               <a:t>‹#›</a:t>
             </a:fld>
@@ -792,6 +865,11 @@
         </p:txBody>
       </p:sp>
     </p:spTree>
+    <p:extLst>
+      <p:ext uri="{BB962C8B-B14F-4D97-AF65-F5344CB8AC3E}">
+        <p14:creationId xmlns:p14="http://schemas.microsoft.com/office/powerpoint/2010/main" val="3204187476"/>
+      </p:ext>
+    </p:extLst>
   </p:cSld>
   <p:clrMapOvr>
     <a:masterClrMapping/>
@@ -832,10 +910,10 @@
           <a:lstStyle/>
           <a:p>
             <a:r>
-              <a:rPr kumimoji="0" lang="en-US" smtClean="0"/>
+              <a:rPr lang="en-US" smtClean="0"/>
               <a:t>Click to edit Master title style</a:t>
             </a:r>
-            <a:endParaRPr kumimoji="0" lang="en-US"/>
+            <a:endParaRPr lang="en-US"/>
           </a:p>
         </p:txBody>
       </p:sp>
@@ -859,46 +937,46 @@
           <a:bodyPr vert="eaVert"/>
           <a:lstStyle/>
           <a:p>
-            <a:pPr lvl="0" eaLnBrk="1" latinLnBrk="0" hangingPunct="1"/>
+            <a:pPr lvl="0"/>
             <a:r>
               <a:rPr lang="en-US" smtClean="0"/>
               <a:t>Click to edit Master text styles</a:t>
             </a:r>
           </a:p>
           <a:p>
-            <a:pPr lvl="1" eaLnBrk="1" latinLnBrk="0" hangingPunct="1"/>
+            <a:pPr lvl="1"/>
             <a:r>
               <a:rPr lang="en-US" smtClean="0"/>
               <a:t>Second level</a:t>
             </a:r>
           </a:p>
           <a:p>
-            <a:pPr lvl="2" eaLnBrk="1" latinLnBrk="0" hangingPunct="1"/>
+            <a:pPr lvl="2"/>
             <a:r>
               <a:rPr lang="en-US" smtClean="0"/>
               <a:t>Third level</a:t>
             </a:r>
           </a:p>
           <a:p>
-            <a:pPr lvl="3" eaLnBrk="1" latinLnBrk="0" hangingPunct="1"/>
+            <a:pPr lvl="3"/>
             <a:r>
               <a:rPr lang="en-US" smtClean="0"/>
               <a:t>Fourth level</a:t>
             </a:r>
           </a:p>
           <a:p>
-            <a:pPr lvl="4" eaLnBrk="1" latinLnBrk="0" hangingPunct="1"/>
+            <a:pPr lvl="4"/>
             <a:r>
               <a:rPr lang="en-US" smtClean="0"/>
               <a:t>Fifth level</a:t>
             </a:r>
-            <a:endParaRPr kumimoji="0" lang="en-US"/>
-          </a:p>
-        </p:txBody>
-      </p:sp>
-      <p:sp>
-        <p:nvSpPr>
-          <p:cNvPr id="4" name="Date Placeholder 3"/>
+            <a:endParaRPr lang="en-US"/>
+          </a:p>
+        </p:txBody>
+      </p:sp>
+      <p:sp>
+        <p:nvSpPr>
+          <p:cNvPr id="4" name="Date Placeholder 9"/>
           <p:cNvSpPr>
             <a:spLocks noGrp="1"/>
           </p:cNvSpPr>
@@ -909,11 +987,20 @@
         <p:spPr/>
         <p:txBody>
           <a:bodyPr/>
-          <a:lstStyle/>
-          <a:p>
-            <a:fld id="{578D3EDA-CDD4-4B8C-8889-A1E60E6090FC}" type="datetimeFigureOut">
-              <a:rPr lang="en-US" smtClean="0"/>
-              <a:pPr/>
+          <a:lstStyle>
+            <a:lvl1pPr>
+              <a:defRPr/>
+            </a:lvl1pPr>
+          </a:lstStyle>
+          <a:p>
+            <a:pPr>
+              <a:defRPr/>
+            </a:pPr>
+            <a:fld id="{5CB9D431-EF1C-44DF-97C0-EAE3DFE4ACAE}" type="datetimeFigureOut">
+              <a:rPr lang="en-US"/>
+              <a:pPr>
+                <a:defRPr/>
+              </a:pPr>
               <a:t>4/29/2013</a:t>
             </a:fld>
             <a:endParaRPr lang="en-US"/>
@@ -922,7 +1009,7 @@
       </p:sp>
       <p:sp>
         <p:nvSpPr>
-          <p:cNvPr id="5" name="Footer Placeholder 4"/>
+          <p:cNvPr id="5" name="Footer Placeholder 21"/>
           <p:cNvSpPr>
             <a:spLocks noGrp="1"/>
           </p:cNvSpPr>
@@ -933,15 +1020,22 @@
         <p:spPr/>
         <p:txBody>
           <a:bodyPr/>
-          <a:lstStyle/>
-          <a:p>
-            <a:endParaRPr lang="en-US"/>
-          </a:p>
-        </p:txBody>
-      </p:sp>
-      <p:sp>
-        <p:nvSpPr>
-          <p:cNvPr id="6" name="Slide Number Placeholder 5"/>
+          <a:lstStyle>
+            <a:lvl1pPr>
+              <a:defRPr/>
+            </a:lvl1pPr>
+          </a:lstStyle>
+          <a:p>
+            <a:pPr>
+              <a:defRPr/>
+            </a:pPr>
+            <a:endParaRPr lang="en-US"/>
+          </a:p>
+        </p:txBody>
+      </p:sp>
+      <p:sp>
+        <p:nvSpPr>
+          <p:cNvPr id="6" name="Slide Number Placeholder 17"/>
           <p:cNvSpPr>
             <a:spLocks noGrp="1"/>
           </p:cNvSpPr>
@@ -952,10 +1046,14 @@
         <p:spPr/>
         <p:txBody>
           <a:bodyPr/>
-          <a:lstStyle/>
-          <a:p>
-            <a:fld id="{C766FA25-E0A3-4D46-9455-78B8C0E697F6}" type="slidenum">
-              <a:rPr lang="en-US" smtClean="0"/>
+          <a:lstStyle>
+            <a:lvl1pPr>
+              <a:defRPr/>
+            </a:lvl1pPr>
+          </a:lstStyle>
+          <a:p>
+            <a:fld id="{88BDF9B5-D704-4631-A4A9-E86145146954}" type="slidenum">
+              <a:rPr lang="en-US"/>
               <a:pPr/>
               <a:t>‹#›</a:t>
             </a:fld>
@@ -964,6 +1062,11 @@
         </p:txBody>
       </p:sp>
     </p:spTree>
+    <p:extLst>
+      <p:ext uri="{BB962C8B-B14F-4D97-AF65-F5344CB8AC3E}">
+        <p14:creationId xmlns:p14="http://schemas.microsoft.com/office/powerpoint/2010/main" val="2167619121"/>
+      </p:ext>
+    </p:extLst>
   </p:cSld>
   <p:clrMapOvr>
     <a:masterClrMapping/>
@@ -1009,10 +1112,10 @@
           <a:lstStyle/>
           <a:p>
             <a:r>
-              <a:rPr kumimoji="0" lang="en-US" smtClean="0"/>
+              <a:rPr lang="en-US" smtClean="0"/>
               <a:t>Click to edit Master title style</a:t>
             </a:r>
-            <a:endParaRPr kumimoji="0" lang="en-US"/>
+            <a:endParaRPr lang="en-US"/>
           </a:p>
         </p:txBody>
       </p:sp>
@@ -1036,46 +1139,46 @@
           <a:bodyPr vert="eaVert"/>
           <a:lstStyle/>
           <a:p>
-            <a:pPr lvl="0" eaLnBrk="1" latinLnBrk="0" hangingPunct="1"/>
+            <a:pPr lvl="0"/>
             <a:r>
               <a:rPr lang="en-US" smtClean="0"/>
               <a:t>Click to edit Master text styles</a:t>
             </a:r>
           </a:p>
           <a:p>
-            <a:pPr lvl="1" eaLnBrk="1" latinLnBrk="0" hangingPunct="1"/>
+            <a:pPr lvl="1"/>
             <a:r>
               <a:rPr lang="en-US" smtClean="0"/>
               <a:t>Second level</a:t>
             </a:r>
           </a:p>
           <a:p>
-            <a:pPr lvl="2" eaLnBrk="1" latinLnBrk="0" hangingPunct="1"/>
+            <a:pPr lvl="2"/>
             <a:r>
               <a:rPr lang="en-US" smtClean="0"/>
               <a:t>Third level</a:t>
             </a:r>
           </a:p>
           <a:p>
-            <a:pPr lvl="3" eaLnBrk="1" latinLnBrk="0" hangingPunct="1"/>
+            <a:pPr lvl="3"/>
             <a:r>
               <a:rPr lang="en-US" smtClean="0"/>
               <a:t>Fourth level</a:t>
             </a:r>
           </a:p>
           <a:p>
-            <a:pPr lvl="4" eaLnBrk="1" latinLnBrk="0" hangingPunct="1"/>
+            <a:pPr lvl="4"/>
             <a:r>
               <a:rPr lang="en-US" smtClean="0"/>
               <a:t>Fifth level</a:t>
             </a:r>
-            <a:endParaRPr kumimoji="0" lang="en-US"/>
-          </a:p>
-        </p:txBody>
-      </p:sp>
-      <p:sp>
-        <p:nvSpPr>
-          <p:cNvPr id="4" name="Date Placeholder 3"/>
+            <a:endParaRPr lang="en-US"/>
+          </a:p>
+        </p:txBody>
+      </p:sp>
+      <p:sp>
+        <p:nvSpPr>
+          <p:cNvPr id="4" name="Date Placeholder 9"/>
           <p:cNvSpPr>
             <a:spLocks noGrp="1"/>
           </p:cNvSpPr>
@@ -1086,11 +1189,20 @@
         <p:spPr/>
         <p:txBody>
           <a:bodyPr/>
-          <a:lstStyle/>
-          <a:p>
-            <a:fld id="{578D3EDA-CDD4-4B8C-8889-A1E60E6090FC}" type="datetimeFigureOut">
-              <a:rPr lang="en-US" smtClean="0"/>
-              <a:pPr/>
+          <a:lstStyle>
+            <a:lvl1pPr>
+              <a:defRPr/>
+            </a:lvl1pPr>
+          </a:lstStyle>
+          <a:p>
+            <a:pPr>
+              <a:defRPr/>
+            </a:pPr>
+            <a:fld id="{1255D665-4E82-4D32-9475-36A16940E646}" type="datetimeFigureOut">
+              <a:rPr lang="en-US"/>
+              <a:pPr>
+                <a:defRPr/>
+              </a:pPr>
               <a:t>4/29/2013</a:t>
             </a:fld>
             <a:endParaRPr lang="en-US"/>
@@ -1099,7 +1211,7 @@
       </p:sp>
       <p:sp>
         <p:nvSpPr>
-          <p:cNvPr id="5" name="Footer Placeholder 4"/>
+          <p:cNvPr id="5" name="Footer Placeholder 21"/>
           <p:cNvSpPr>
             <a:spLocks noGrp="1"/>
           </p:cNvSpPr>
@@ -1110,15 +1222,22 @@
         <p:spPr/>
         <p:txBody>
           <a:bodyPr/>
-          <a:lstStyle/>
-          <a:p>
-            <a:endParaRPr lang="en-US"/>
-          </a:p>
-        </p:txBody>
-      </p:sp>
-      <p:sp>
-        <p:nvSpPr>
-          <p:cNvPr id="6" name="Slide Number Placeholder 5"/>
+          <a:lstStyle>
+            <a:lvl1pPr>
+              <a:defRPr/>
+            </a:lvl1pPr>
+          </a:lstStyle>
+          <a:p>
+            <a:pPr>
+              <a:defRPr/>
+            </a:pPr>
+            <a:endParaRPr lang="en-US"/>
+          </a:p>
+        </p:txBody>
+      </p:sp>
+      <p:sp>
+        <p:nvSpPr>
+          <p:cNvPr id="6" name="Slide Number Placeholder 17"/>
           <p:cNvSpPr>
             <a:spLocks noGrp="1"/>
           </p:cNvSpPr>
@@ -1129,10 +1248,14 @@
         <p:spPr/>
         <p:txBody>
           <a:bodyPr/>
-          <a:lstStyle/>
-          <a:p>
-            <a:fld id="{C766FA25-E0A3-4D46-9455-78B8C0E697F6}" type="slidenum">
-              <a:rPr lang="en-US" smtClean="0"/>
+          <a:lstStyle>
+            <a:lvl1pPr>
+              <a:defRPr/>
+            </a:lvl1pPr>
+          </a:lstStyle>
+          <a:p>
+            <a:fld id="{51EC354C-5871-4050-B665-CDD23C0A4AB8}" type="slidenum">
+              <a:rPr lang="en-US"/>
               <a:pPr/>
               <a:t>‹#›</a:t>
             </a:fld>
@@ -1141,6 +1264,11 @@
         </p:txBody>
       </p:sp>
     </p:spTree>
+    <p:extLst>
+      <p:ext uri="{BB962C8B-B14F-4D97-AF65-F5344CB8AC3E}">
+        <p14:creationId xmlns:p14="http://schemas.microsoft.com/office/powerpoint/2010/main" val="2410388065"/>
+      </p:ext>
+    </p:extLst>
   </p:cSld>
   <p:clrMapOvr>
     <a:masterClrMapping/>
@@ -1180,46 +1308,69 @@
           <a:bodyPr/>
           <a:lstStyle/>
           <a:p>
-            <a:pPr lvl="0" eaLnBrk="1" latinLnBrk="0" hangingPunct="1"/>
+            <a:pPr lvl="0"/>
             <a:r>
               <a:rPr lang="en-US" smtClean="0"/>
               <a:t>Click to edit Master text styles</a:t>
             </a:r>
           </a:p>
           <a:p>
-            <a:pPr lvl="1" eaLnBrk="1" latinLnBrk="0" hangingPunct="1"/>
+            <a:pPr lvl="1"/>
             <a:r>
               <a:rPr lang="en-US" smtClean="0"/>
               <a:t>Second level</a:t>
             </a:r>
           </a:p>
           <a:p>
-            <a:pPr lvl="2" eaLnBrk="1" latinLnBrk="0" hangingPunct="1"/>
+            <a:pPr lvl="2"/>
             <a:r>
               <a:rPr lang="en-US" smtClean="0"/>
               <a:t>Third level</a:t>
             </a:r>
           </a:p>
           <a:p>
-            <a:pPr lvl="3" eaLnBrk="1" latinLnBrk="0" hangingPunct="1"/>
+            <a:pPr lvl="3"/>
             <a:r>
               <a:rPr lang="en-US" smtClean="0"/>
               <a:t>Fourth level</a:t>
             </a:r>
           </a:p>
           <a:p>
-            <a:pPr lvl="4" eaLnBrk="1" latinLnBrk="0" hangingPunct="1"/>
+            <a:pPr lvl="4"/>
             <a:r>
               <a:rPr lang="en-US" smtClean="0"/>
               <a:t>Fifth level</a:t>
             </a:r>
-            <a:endParaRPr kumimoji="0" lang="en-US"/>
-          </a:p>
-        </p:txBody>
-      </p:sp>
-      <p:sp>
-        <p:nvSpPr>
-          <p:cNvPr id="4" name="Date Placeholder 3"/>
+            <a:endParaRPr lang="en-US"/>
+          </a:p>
+        </p:txBody>
+      </p:sp>
+      <p:sp>
+        <p:nvSpPr>
+          <p:cNvPr id="7" name="Title 6"/>
+          <p:cNvSpPr>
+            <a:spLocks noGrp="1"/>
+          </p:cNvSpPr>
+          <p:nvPr>
+            <p:ph type="title"/>
+          </p:nvPr>
+        </p:nvSpPr>
+        <p:spPr/>
+        <p:txBody>
+          <a:bodyPr rtlCol="0"/>
+          <a:lstStyle/>
+          <a:p>
+            <a:r>
+              <a:rPr lang="en-US" smtClean="0"/>
+              <a:t>Click to edit Master title style</a:t>
+            </a:r>
+            <a:endParaRPr lang="en-US"/>
+          </a:p>
+        </p:txBody>
+      </p:sp>
+      <p:sp>
+        <p:nvSpPr>
+          <p:cNvPr id="4" name="Date Placeholder 9"/>
           <p:cNvSpPr>
             <a:spLocks noGrp="1"/>
           </p:cNvSpPr>
@@ -1230,11 +1381,20 @@
         <p:spPr/>
         <p:txBody>
           <a:bodyPr/>
-          <a:lstStyle/>
-          <a:p>
-            <a:fld id="{578D3EDA-CDD4-4B8C-8889-A1E60E6090FC}" type="datetimeFigureOut">
-              <a:rPr lang="en-US" smtClean="0"/>
-              <a:pPr/>
+          <a:lstStyle>
+            <a:lvl1pPr>
+              <a:defRPr/>
+            </a:lvl1pPr>
+          </a:lstStyle>
+          <a:p>
+            <a:pPr>
+              <a:defRPr/>
+            </a:pPr>
+            <a:fld id="{E32A395E-3590-424B-8FDB-80D79CA8C579}" type="datetimeFigureOut">
+              <a:rPr lang="en-US"/>
+              <a:pPr>
+                <a:defRPr/>
+              </a:pPr>
               <a:t>4/29/2013</a:t>
             </a:fld>
             <a:endParaRPr lang="en-US"/>
@@ -1243,7 +1403,7 @@
       </p:sp>
       <p:sp>
         <p:nvSpPr>
-          <p:cNvPr id="5" name="Footer Placeholder 4"/>
+          <p:cNvPr id="5" name="Footer Placeholder 21"/>
           <p:cNvSpPr>
             <a:spLocks noGrp="1"/>
           </p:cNvSpPr>
@@ -1254,15 +1414,22 @@
         <p:spPr/>
         <p:txBody>
           <a:bodyPr/>
-          <a:lstStyle/>
-          <a:p>
-            <a:endParaRPr lang="en-US"/>
-          </a:p>
-        </p:txBody>
-      </p:sp>
-      <p:sp>
-        <p:nvSpPr>
-          <p:cNvPr id="6" name="Slide Number Placeholder 5"/>
+          <a:lstStyle>
+            <a:lvl1pPr>
+              <a:defRPr/>
+            </a:lvl1pPr>
+          </a:lstStyle>
+          <a:p>
+            <a:pPr>
+              <a:defRPr/>
+            </a:pPr>
+            <a:endParaRPr lang="en-US"/>
+          </a:p>
+        </p:txBody>
+      </p:sp>
+      <p:sp>
+        <p:nvSpPr>
+          <p:cNvPr id="6" name="Slide Number Placeholder 17"/>
           <p:cNvSpPr>
             <a:spLocks noGrp="1"/>
           </p:cNvSpPr>
@@ -1273,10 +1440,14 @@
         <p:spPr/>
         <p:txBody>
           <a:bodyPr/>
-          <a:lstStyle/>
-          <a:p>
-            <a:fld id="{C766FA25-E0A3-4D46-9455-78B8C0E697F6}" type="slidenum">
-              <a:rPr lang="en-US" smtClean="0"/>
+          <a:lstStyle>
+            <a:lvl1pPr>
+              <a:defRPr/>
+            </a:lvl1pPr>
+          </a:lstStyle>
+          <a:p>
+            <a:fld id="{DD6319D7-640D-4B6E-A7E8-DB0D5AA4EA56}" type="slidenum">
+              <a:rPr lang="en-US"/>
               <a:pPr/>
               <a:t>‹#›</a:t>
             </a:fld>
@@ -1284,30 +1455,12 @@
           </a:p>
         </p:txBody>
       </p:sp>
-      <p:sp>
-        <p:nvSpPr>
-          <p:cNvPr id="7" name="Title 6"/>
-          <p:cNvSpPr>
-            <a:spLocks noGrp="1"/>
-          </p:cNvSpPr>
-          <p:nvPr>
-            <p:ph type="title"/>
-          </p:nvPr>
-        </p:nvSpPr>
-        <p:spPr/>
-        <p:txBody>
-          <a:bodyPr rtlCol="0"/>
-          <a:lstStyle/>
-          <a:p>
-            <a:r>
-              <a:rPr kumimoji="0" lang="en-US" smtClean="0"/>
-              <a:t>Click to edit Master title style</a:t>
-            </a:r>
-            <a:endParaRPr kumimoji="0" lang="en-US"/>
-          </a:p>
-        </p:txBody>
-      </p:sp>
     </p:spTree>
+    <p:extLst>
+      <p:ext uri="{BB962C8B-B14F-4D97-AF65-F5344CB8AC3E}">
+        <p14:creationId xmlns:p14="http://schemas.microsoft.com/office/powerpoint/2010/main" val="3779967867"/>
+      </p:ext>
+    </p:extLst>
   </p:cSld>
   <p:clrMapOvr>
     <a:masterClrMapping/>
@@ -1339,208 +1492,14 @@
       </p:grpSpPr>
       <p:sp>
         <p:nvSpPr>
-          <p:cNvPr id="2" name="Title 1"/>
-          <p:cNvSpPr>
-            <a:spLocks noGrp="1"/>
-          </p:cNvSpPr>
-          <p:nvPr>
-            <p:ph type="title"/>
-          </p:nvPr>
+          <p:cNvPr id="4" name="Chevron 6"/>
+          <p:cNvSpPr/>
+          <p:nvPr/>
         </p:nvSpPr>
         <p:spPr>
           <a:xfrm>
-            <a:off x="722376" y="1059712"/>
-            <a:ext cx="7772400" cy="1828800"/>
-          </a:xfrm>
-        </p:spPr>
-        <p:txBody>
-          <a:bodyPr vert="horz" anchor="b">
-            <a:normAutofit/>
-            <a:scene3d>
-              <a:camera prst="orthographicFront"/>
-              <a:lightRig rig="soft" dir="t"/>
-            </a:scene3d>
-            <a:sp3d prstMaterial="softEdge">
-              <a:bevelT w="25400" h="25400"/>
-            </a:sp3d>
-          </a:bodyPr>
-          <a:lstStyle>
-            <a:lvl1pPr algn="r">
-              <a:buNone/>
-              <a:defRPr sz="4800" b="1" cap="none" baseline="0">
-                <a:effectLst>
-                  <a:outerShdw blurRad="31750" dist="25400" dir="5400000" algn="tl" rotWithShape="0">
-                    <a:srgbClr val="000000">
-                      <a:alpha val="25000"/>
-                    </a:srgbClr>
-                  </a:outerShdw>
-                </a:effectLst>
-              </a:defRPr>
-            </a:lvl1pPr>
-          </a:lstStyle>
-          <a:p>
-            <a:r>
-              <a:rPr kumimoji="0" lang="en-US" smtClean="0"/>
-              <a:t>Click to edit Master title style</a:t>
-            </a:r>
-            <a:endParaRPr kumimoji="0" lang="en-US"/>
-          </a:p>
-        </p:txBody>
-      </p:sp>
-      <p:sp>
-        <p:nvSpPr>
-          <p:cNvPr id="3" name="Text Placeholder 2"/>
-          <p:cNvSpPr>
-            <a:spLocks noGrp="1"/>
-          </p:cNvSpPr>
-          <p:nvPr>
-            <p:ph type="body" idx="1"/>
-          </p:nvPr>
-        </p:nvSpPr>
-        <p:spPr>
-          <a:xfrm>
-            <a:off x="3922713" y="2931712"/>
-            <a:ext cx="4572000" cy="1454888"/>
-          </a:xfrm>
-        </p:spPr>
-        <p:txBody>
-          <a:bodyPr lIns="91440" rIns="91440" anchor="t"/>
-          <a:lstStyle>
-            <a:lvl1pPr marL="0" indent="0" algn="l">
-              <a:buNone/>
-              <a:defRPr sz="2300">
-                <a:solidFill>
-                  <a:schemeClr val="tx1"/>
-                </a:solidFill>
-              </a:defRPr>
-            </a:lvl1pPr>
-            <a:lvl2pPr>
-              <a:buNone/>
-              <a:defRPr sz="1800">
-                <a:solidFill>
-                  <a:schemeClr val="tx1">
-                    <a:tint val="75000"/>
-                  </a:schemeClr>
-                </a:solidFill>
-              </a:defRPr>
-            </a:lvl2pPr>
-            <a:lvl3pPr>
-              <a:buNone/>
-              <a:defRPr sz="1600">
-                <a:solidFill>
-                  <a:schemeClr val="tx1">
-                    <a:tint val="75000"/>
-                  </a:schemeClr>
-                </a:solidFill>
-              </a:defRPr>
-            </a:lvl3pPr>
-            <a:lvl4pPr>
-              <a:buNone/>
-              <a:defRPr sz="1400">
-                <a:solidFill>
-                  <a:schemeClr val="tx1">
-                    <a:tint val="75000"/>
-                  </a:schemeClr>
-                </a:solidFill>
-              </a:defRPr>
-            </a:lvl4pPr>
-            <a:lvl5pPr>
-              <a:buNone/>
-              <a:defRPr sz="1400">
-                <a:solidFill>
-                  <a:schemeClr val="tx1">
-                    <a:tint val="75000"/>
-                  </a:schemeClr>
-                </a:solidFill>
-              </a:defRPr>
-            </a:lvl5pPr>
-          </a:lstStyle>
-          <a:p>
-            <a:pPr lvl="0" eaLnBrk="1" latinLnBrk="0" hangingPunct="1"/>
-            <a:r>
-              <a:rPr kumimoji="0" lang="en-US" smtClean="0"/>
-              <a:t>Click to edit Master text styles</a:t>
-            </a:r>
-          </a:p>
-        </p:txBody>
-      </p:sp>
-      <p:sp>
-        <p:nvSpPr>
-          <p:cNvPr id="4" name="Date Placeholder 3"/>
-          <p:cNvSpPr>
-            <a:spLocks noGrp="1"/>
-          </p:cNvSpPr>
-          <p:nvPr>
-            <p:ph type="dt" sz="half" idx="10"/>
-          </p:nvPr>
-        </p:nvSpPr>
-        <p:spPr/>
-        <p:txBody>
-          <a:bodyPr/>
-          <a:lstStyle/>
-          <a:p>
-            <a:fld id="{578D3EDA-CDD4-4B8C-8889-A1E60E6090FC}" type="datetimeFigureOut">
-              <a:rPr lang="en-US" smtClean="0"/>
-              <a:pPr/>
-              <a:t>4/29/2013</a:t>
-            </a:fld>
-            <a:endParaRPr lang="en-US"/>
-          </a:p>
-        </p:txBody>
-      </p:sp>
-      <p:sp>
-        <p:nvSpPr>
-          <p:cNvPr id="5" name="Footer Placeholder 4"/>
-          <p:cNvSpPr>
-            <a:spLocks noGrp="1"/>
-          </p:cNvSpPr>
-          <p:nvPr>
-            <p:ph type="ftr" sz="quarter" idx="11"/>
-          </p:nvPr>
-        </p:nvSpPr>
-        <p:spPr/>
-        <p:txBody>
-          <a:bodyPr/>
-          <a:lstStyle/>
-          <a:p>
-            <a:endParaRPr lang="en-US"/>
-          </a:p>
-        </p:txBody>
-      </p:sp>
-      <p:sp>
-        <p:nvSpPr>
-          <p:cNvPr id="6" name="Slide Number Placeholder 5"/>
-          <p:cNvSpPr>
-            <a:spLocks noGrp="1"/>
-          </p:cNvSpPr>
-          <p:nvPr>
-            <p:ph type="sldNum" sz="quarter" idx="12"/>
-          </p:nvPr>
-        </p:nvSpPr>
-        <p:spPr/>
-        <p:txBody>
-          <a:bodyPr/>
-          <a:lstStyle/>
-          <a:p>
-            <a:fld id="{C766FA25-E0A3-4D46-9455-78B8C0E697F6}" type="slidenum">
-              <a:rPr lang="en-US" smtClean="0"/>
-              <a:pPr/>
-              <a:t>‹#›</a:t>
-            </a:fld>
-            <a:endParaRPr lang="en-US"/>
-          </a:p>
-        </p:txBody>
-      </p:sp>
-      <p:sp>
-        <p:nvSpPr>
-          <p:cNvPr id="7" name="Chevron 6"/>
-          <p:cNvSpPr/>
-          <p:nvPr/>
-        </p:nvSpPr>
-        <p:spPr>
-          <a:xfrm>
-            <a:off x="3636680" y="3005472"/>
-            <a:ext cx="182880" cy="228600"/>
+            <a:off x="3636963" y="3005138"/>
+            <a:ext cx="182562" cy="228600"/>
           </a:xfrm>
           <a:prstGeom prst="chevron">
             <a:avLst>
@@ -1604,21 +1563,29 @@
           <a:bodyPr anchor="ctr"/>
           <a:lstStyle/>
           <a:p>
-            <a:pPr algn="l" eaLnBrk="1" latinLnBrk="0" hangingPunct="1"/>
-            <a:endParaRPr kumimoji="0" lang="en-US"/>
-          </a:p>
-        </p:txBody>
-      </p:sp>
-      <p:sp>
-        <p:nvSpPr>
-          <p:cNvPr id="8" name="Chevron 7"/>
+            <a:pPr eaLnBrk="1" fontAlgn="auto" hangingPunct="1">
+              <a:spcBef>
+                <a:spcPts val="0"/>
+              </a:spcBef>
+              <a:spcAft>
+                <a:spcPts val="0"/>
+              </a:spcAft>
+              <a:defRPr/>
+            </a:pPr>
+            <a:endParaRPr lang="en-US"/>
+          </a:p>
+        </p:txBody>
+      </p:sp>
+      <p:sp>
+        <p:nvSpPr>
+          <p:cNvPr id="5" name="Chevron 7"/>
           <p:cNvSpPr/>
           <p:nvPr/>
         </p:nvSpPr>
         <p:spPr>
           <a:xfrm>
-            <a:off x="3450264" y="3005472"/>
-            <a:ext cx="182880" cy="228600"/>
+            <a:off x="3449638" y="3005138"/>
+            <a:ext cx="184150" cy="228600"/>
           </a:xfrm>
           <a:prstGeom prst="chevron">
             <a:avLst>
@@ -1682,12 +1649,230 @@
           <a:bodyPr anchor="ctr"/>
           <a:lstStyle/>
           <a:p>
-            <a:pPr algn="l" eaLnBrk="1" latinLnBrk="0" hangingPunct="1"/>
-            <a:endParaRPr kumimoji="0" lang="en-US"/>
+            <a:pPr eaLnBrk="1" fontAlgn="auto" hangingPunct="1">
+              <a:spcBef>
+                <a:spcPts val="0"/>
+              </a:spcBef>
+              <a:spcAft>
+                <a:spcPts val="0"/>
+              </a:spcAft>
+              <a:defRPr/>
+            </a:pPr>
+            <a:endParaRPr lang="en-US"/>
+          </a:p>
+        </p:txBody>
+      </p:sp>
+      <p:sp>
+        <p:nvSpPr>
+          <p:cNvPr id="2" name="Title 1"/>
+          <p:cNvSpPr>
+            <a:spLocks noGrp="1"/>
+          </p:cNvSpPr>
+          <p:nvPr>
+            <p:ph type="title"/>
+          </p:nvPr>
+        </p:nvSpPr>
+        <p:spPr>
+          <a:xfrm>
+            <a:off x="722376" y="1059712"/>
+            <a:ext cx="7772400" cy="1828800"/>
+          </a:xfrm>
+        </p:spPr>
+        <p:txBody>
+          <a:bodyPr anchor="b"/>
+          <a:lstStyle>
+            <a:lvl1pPr algn="r">
+              <a:buNone/>
+              <a:defRPr sz="4800" b="1" cap="none" baseline="0">
+                <a:effectLst>
+                  <a:outerShdw blurRad="31750" dist="25400" dir="5400000" algn="tl" rotWithShape="0">
+                    <a:srgbClr val="000000">
+                      <a:alpha val="25000"/>
+                    </a:srgbClr>
+                  </a:outerShdw>
+                </a:effectLst>
+              </a:defRPr>
+            </a:lvl1pPr>
+          </a:lstStyle>
+          <a:p>
+            <a:r>
+              <a:rPr lang="en-US" smtClean="0"/>
+              <a:t>Click to edit Master title style</a:t>
+            </a:r>
+            <a:endParaRPr lang="en-US"/>
+          </a:p>
+        </p:txBody>
+      </p:sp>
+      <p:sp>
+        <p:nvSpPr>
+          <p:cNvPr id="3" name="Text Placeholder 2"/>
+          <p:cNvSpPr>
+            <a:spLocks noGrp="1"/>
+          </p:cNvSpPr>
+          <p:nvPr>
+            <p:ph type="body" idx="1"/>
+          </p:nvPr>
+        </p:nvSpPr>
+        <p:spPr>
+          <a:xfrm>
+            <a:off x="3922713" y="2931712"/>
+            <a:ext cx="4572000" cy="1454888"/>
+          </a:xfrm>
+        </p:spPr>
+        <p:txBody>
+          <a:bodyPr/>
+          <a:lstStyle>
+            <a:lvl1pPr marL="0" indent="0" algn="l">
+              <a:buNone/>
+              <a:defRPr sz="2300">
+                <a:solidFill>
+                  <a:schemeClr val="tx1"/>
+                </a:solidFill>
+              </a:defRPr>
+            </a:lvl1pPr>
+            <a:lvl2pPr>
+              <a:buNone/>
+              <a:defRPr sz="1800">
+                <a:solidFill>
+                  <a:schemeClr val="tx1">
+                    <a:tint val="75000"/>
+                  </a:schemeClr>
+                </a:solidFill>
+              </a:defRPr>
+            </a:lvl2pPr>
+            <a:lvl3pPr>
+              <a:buNone/>
+              <a:defRPr sz="1600">
+                <a:solidFill>
+                  <a:schemeClr val="tx1">
+                    <a:tint val="75000"/>
+                  </a:schemeClr>
+                </a:solidFill>
+              </a:defRPr>
+            </a:lvl3pPr>
+            <a:lvl4pPr>
+              <a:buNone/>
+              <a:defRPr sz="1400">
+                <a:solidFill>
+                  <a:schemeClr val="tx1">
+                    <a:tint val="75000"/>
+                  </a:schemeClr>
+                </a:solidFill>
+              </a:defRPr>
+            </a:lvl4pPr>
+            <a:lvl5pPr>
+              <a:buNone/>
+              <a:defRPr sz="1400">
+                <a:solidFill>
+                  <a:schemeClr val="tx1">
+                    <a:tint val="75000"/>
+                  </a:schemeClr>
+                </a:solidFill>
+              </a:defRPr>
+            </a:lvl5pPr>
+          </a:lstStyle>
+          <a:p>
+            <a:pPr lvl="0"/>
+            <a:r>
+              <a:rPr lang="en-US" smtClean="0"/>
+              <a:t>Click to edit Master text styles</a:t>
+            </a:r>
+          </a:p>
+        </p:txBody>
+      </p:sp>
+      <p:sp>
+        <p:nvSpPr>
+          <p:cNvPr id="6" name="Date Placeholder 3"/>
+          <p:cNvSpPr>
+            <a:spLocks noGrp="1"/>
+          </p:cNvSpPr>
+          <p:nvPr>
+            <p:ph type="dt" sz="half" idx="10"/>
+          </p:nvPr>
+        </p:nvSpPr>
+        <p:spPr/>
+        <p:txBody>
+          <a:bodyPr/>
+          <a:lstStyle>
+            <a:lvl1pPr>
+              <a:defRPr/>
+            </a:lvl1pPr>
+          </a:lstStyle>
+          <a:p>
+            <a:pPr>
+              <a:defRPr/>
+            </a:pPr>
+            <a:fld id="{9ABF4384-B10A-4269-A06B-BCA06A726F9E}" type="datetimeFigureOut">
+              <a:rPr lang="en-US"/>
+              <a:pPr>
+                <a:defRPr/>
+              </a:pPr>
+              <a:t>4/29/2013</a:t>
+            </a:fld>
+            <a:endParaRPr lang="en-US"/>
+          </a:p>
+        </p:txBody>
+      </p:sp>
+      <p:sp>
+        <p:nvSpPr>
+          <p:cNvPr id="7" name="Footer Placeholder 4"/>
+          <p:cNvSpPr>
+            <a:spLocks noGrp="1"/>
+          </p:cNvSpPr>
+          <p:nvPr>
+            <p:ph type="ftr" sz="quarter" idx="11"/>
+          </p:nvPr>
+        </p:nvSpPr>
+        <p:spPr/>
+        <p:txBody>
+          <a:bodyPr/>
+          <a:lstStyle>
+            <a:lvl1pPr>
+              <a:defRPr/>
+            </a:lvl1pPr>
+          </a:lstStyle>
+          <a:p>
+            <a:pPr>
+              <a:defRPr/>
+            </a:pPr>
+            <a:endParaRPr lang="en-US"/>
+          </a:p>
+        </p:txBody>
+      </p:sp>
+      <p:sp>
+        <p:nvSpPr>
+          <p:cNvPr id="8" name="Slide Number Placeholder 5"/>
+          <p:cNvSpPr>
+            <a:spLocks noGrp="1"/>
+          </p:cNvSpPr>
+          <p:nvPr>
+            <p:ph type="sldNum" sz="quarter" idx="12"/>
+          </p:nvPr>
+        </p:nvSpPr>
+        <p:spPr/>
+        <p:txBody>
+          <a:bodyPr/>
+          <a:lstStyle>
+            <a:lvl1pPr>
+              <a:defRPr/>
+            </a:lvl1pPr>
+          </a:lstStyle>
+          <a:p>
+            <a:fld id="{7075BA22-B2D3-4D2F-9BDF-E2C4B6126EB6}" type="slidenum">
+              <a:rPr lang="en-US"/>
+              <a:pPr/>
+              <a:t>‹#›</a:t>
+            </a:fld>
+            <a:endParaRPr lang="en-US"/>
           </a:p>
         </p:txBody>
       </p:sp>
     </p:spTree>
+    <p:extLst>
+      <p:ext uri="{BB962C8B-B14F-4D97-AF65-F5344CB8AC3E}">
+        <p14:creationId xmlns:p14="http://schemas.microsoft.com/office/powerpoint/2010/main" val="3631760378"/>
+      </p:ext>
+    </p:extLst>
   </p:cSld>
   <p:clrMapOvr>
     <a:overrideClrMapping bg1="dk1" tx1="lt1" bg2="dk2" tx2="lt2" accent1="accent1" accent2="accent2" accent3="accent3" accent4="accent4" accent5="accent5" accent6="accent6" hlink="hlink" folHlink="folHlink"/>
@@ -1753,40 +1938,40 @@
             </a:lvl5pPr>
           </a:lstStyle>
           <a:p>
-            <a:pPr lvl="0" eaLnBrk="1" latinLnBrk="0" hangingPunct="1"/>
+            <a:pPr lvl="0"/>
             <a:r>
               <a:rPr lang="en-US" smtClean="0"/>
               <a:t>Click to edit Master text styles</a:t>
             </a:r>
           </a:p>
           <a:p>
-            <a:pPr lvl="1" eaLnBrk="1" latinLnBrk="0" hangingPunct="1"/>
+            <a:pPr lvl="1"/>
             <a:r>
               <a:rPr lang="en-US" smtClean="0"/>
               <a:t>Second level</a:t>
             </a:r>
           </a:p>
           <a:p>
-            <a:pPr lvl="2" eaLnBrk="1" latinLnBrk="0" hangingPunct="1"/>
+            <a:pPr lvl="2"/>
             <a:r>
               <a:rPr lang="en-US" smtClean="0"/>
               <a:t>Third level</a:t>
             </a:r>
           </a:p>
           <a:p>
-            <a:pPr lvl="3" eaLnBrk="1" latinLnBrk="0" hangingPunct="1"/>
+            <a:pPr lvl="3"/>
             <a:r>
               <a:rPr lang="en-US" smtClean="0"/>
               <a:t>Fourth level</a:t>
             </a:r>
           </a:p>
           <a:p>
-            <a:pPr lvl="4" eaLnBrk="1" latinLnBrk="0" hangingPunct="1"/>
+            <a:pPr lvl="4"/>
             <a:r>
               <a:rPr lang="en-US" smtClean="0"/>
               <a:t>Fifth level</a:t>
             </a:r>
-            <a:endParaRPr kumimoji="0" lang="en-US"/>
+            <a:endParaRPr lang="en-US"/>
           </a:p>
         </p:txBody>
       </p:sp>
@@ -1826,40 +2011,63 @@
             </a:lvl5pPr>
           </a:lstStyle>
           <a:p>
-            <a:pPr lvl="0" eaLnBrk="1" latinLnBrk="0" hangingPunct="1"/>
+            <a:pPr lvl="0"/>
             <a:r>
               <a:rPr lang="en-US" smtClean="0"/>
               <a:t>Click to edit Master text styles</a:t>
             </a:r>
           </a:p>
           <a:p>
-            <a:pPr lvl="1" eaLnBrk="1" latinLnBrk="0" hangingPunct="1"/>
+            <a:pPr lvl="1"/>
             <a:r>
               <a:rPr lang="en-US" smtClean="0"/>
               <a:t>Second level</a:t>
             </a:r>
           </a:p>
           <a:p>
-            <a:pPr lvl="2" eaLnBrk="1" latinLnBrk="0" hangingPunct="1"/>
+            <a:pPr lvl="2"/>
             <a:r>
               <a:rPr lang="en-US" smtClean="0"/>
               <a:t>Third level</a:t>
             </a:r>
           </a:p>
           <a:p>
-            <a:pPr lvl="3" eaLnBrk="1" latinLnBrk="0" hangingPunct="1"/>
+            <a:pPr lvl="3"/>
             <a:r>
               <a:rPr lang="en-US" smtClean="0"/>
               <a:t>Fourth level</a:t>
             </a:r>
           </a:p>
           <a:p>
-            <a:pPr lvl="4" eaLnBrk="1" latinLnBrk="0" hangingPunct="1"/>
+            <a:pPr lvl="4"/>
             <a:r>
               <a:rPr lang="en-US" smtClean="0"/>
               <a:t>Fifth level</a:t>
             </a:r>
-            <a:endParaRPr kumimoji="0" lang="en-US"/>
+            <a:endParaRPr lang="en-US"/>
+          </a:p>
+        </p:txBody>
+      </p:sp>
+      <p:sp>
+        <p:nvSpPr>
+          <p:cNvPr id="8" name="Title 7"/>
+          <p:cNvSpPr>
+            <a:spLocks noGrp="1"/>
+          </p:cNvSpPr>
+          <p:nvPr>
+            <p:ph type="title"/>
+          </p:nvPr>
+        </p:nvSpPr>
+        <p:spPr/>
+        <p:txBody>
+          <a:bodyPr rtlCol="0"/>
+          <a:lstStyle/>
+          <a:p>
+            <a:r>
+              <a:rPr lang="en-US" smtClean="0"/>
+              <a:t>Click to edit Master title style</a:t>
+            </a:r>
+            <a:endParaRPr lang="en-US"/>
           </a:p>
         </p:txBody>
       </p:sp>
@@ -1876,11 +2084,20 @@
         <p:spPr/>
         <p:txBody>
           <a:bodyPr/>
-          <a:lstStyle/>
-          <a:p>
-            <a:fld id="{578D3EDA-CDD4-4B8C-8889-A1E60E6090FC}" type="datetimeFigureOut">
-              <a:rPr lang="en-US" smtClean="0"/>
-              <a:pPr/>
+          <a:lstStyle>
+            <a:lvl1pPr>
+              <a:defRPr/>
+            </a:lvl1pPr>
+          </a:lstStyle>
+          <a:p>
+            <a:pPr>
+              <a:defRPr/>
+            </a:pPr>
+            <a:fld id="{7D83CB02-6D81-44B6-AF0D-87290B5C8D6E}" type="datetimeFigureOut">
+              <a:rPr lang="en-US"/>
+              <a:pPr>
+                <a:defRPr/>
+              </a:pPr>
               <a:t>4/29/2013</a:t>
             </a:fld>
             <a:endParaRPr lang="en-US"/>
@@ -1900,8 +2117,15 @@
         <p:spPr/>
         <p:txBody>
           <a:bodyPr/>
-          <a:lstStyle/>
-          <a:p>
+          <a:lstStyle>
+            <a:lvl1pPr>
+              <a:defRPr/>
+            </a:lvl1pPr>
+          </a:lstStyle>
+          <a:p>
+            <a:pPr>
+              <a:defRPr/>
+            </a:pPr>
             <a:endParaRPr lang="en-US"/>
           </a:p>
         </p:txBody>
@@ -1919,10 +2143,14 @@
         <p:spPr/>
         <p:txBody>
           <a:bodyPr/>
-          <a:lstStyle/>
-          <a:p>
-            <a:fld id="{C766FA25-E0A3-4D46-9455-78B8C0E697F6}" type="slidenum">
-              <a:rPr lang="en-US" smtClean="0"/>
+          <a:lstStyle>
+            <a:lvl1pPr>
+              <a:defRPr/>
+            </a:lvl1pPr>
+          </a:lstStyle>
+          <a:p>
+            <a:fld id="{109930B5-8667-4738-AED0-7E4E6C470C08}" type="slidenum">
+              <a:rPr lang="en-US"/>
               <a:pPr/>
               <a:t>‹#›</a:t>
             </a:fld>
@@ -1930,30 +2158,12 @@
           </a:p>
         </p:txBody>
       </p:sp>
-      <p:sp>
-        <p:nvSpPr>
-          <p:cNvPr id="8" name="Title 7"/>
-          <p:cNvSpPr>
-            <a:spLocks noGrp="1"/>
-          </p:cNvSpPr>
-          <p:nvPr>
-            <p:ph type="title"/>
-          </p:nvPr>
-        </p:nvSpPr>
-        <p:spPr/>
-        <p:txBody>
-          <a:bodyPr rtlCol="0"/>
-          <a:lstStyle/>
-          <a:p>
-            <a:r>
-              <a:rPr kumimoji="0" lang="en-US" smtClean="0"/>
-              <a:t>Click to edit Master title style</a:t>
-            </a:r>
-            <a:endParaRPr kumimoji="0" lang="en-US"/>
-          </a:p>
-        </p:txBody>
-      </p:sp>
     </p:spTree>
+    <p:extLst>
+      <p:ext uri="{BB962C8B-B14F-4D97-AF65-F5344CB8AC3E}">
+        <p14:creationId xmlns:p14="http://schemas.microsoft.com/office/powerpoint/2010/main" val="3005482918"/>
+      </p:ext>
+    </p:extLst>
   </p:cSld>
   <p:clrMapOvr>
     <a:overrideClrMapping bg1="dk1" tx1="lt1" bg2="dk2" tx2="lt2" accent1="accent1" accent2="accent2" accent3="accent3" accent4="accent4" accent5="accent5" accent6="accent6" hlink="hlink" folHlink="folHlink"/>
@@ -2000,7 +2210,7 @@
           </a:xfrm>
         </p:spPr>
         <p:txBody>
-          <a:bodyPr anchor="ctr"/>
+          <a:bodyPr/>
           <a:lstStyle>
             <a:lvl1pPr>
               <a:defRPr/>
@@ -2008,10 +2218,10 @@
           </a:lstStyle>
           <a:p>
             <a:r>
-              <a:rPr kumimoji="0" lang="en-US" smtClean="0"/>
+              <a:rPr lang="en-US" smtClean="0"/>
               <a:t>Click to edit Master title style</a:t>
             </a:r>
-            <a:endParaRPr kumimoji="0" lang="en-US"/>
+            <a:endParaRPr lang="en-US"/>
           </a:p>
         </p:txBody>
       </p:sp>
@@ -2069,9 +2279,9 @@
             </a:lvl5pPr>
           </a:lstStyle>
           <a:p>
-            <a:pPr lvl="0" eaLnBrk="1" latinLnBrk="0" hangingPunct="1"/>
-            <a:r>
-              <a:rPr kumimoji="0" lang="en-US" smtClean="0"/>
+            <a:pPr lvl="0"/>
+            <a:r>
+              <a:rPr lang="en-US" smtClean="0"/>
               <a:t>Click to edit Master text styles</a:t>
             </a:r>
           </a:p>
@@ -2131,9 +2341,9 @@
             </a:lvl5pPr>
           </a:lstStyle>
           <a:p>
-            <a:pPr lvl="0" eaLnBrk="1" latinLnBrk="0" hangingPunct="1"/>
-            <a:r>
-              <a:rPr kumimoji="0" lang="en-US" smtClean="0"/>
+            <a:pPr lvl="0"/>
+            <a:r>
+              <a:rPr lang="en-US" smtClean="0"/>
               <a:t>Click to edit Master text styles</a:t>
             </a:r>
           </a:p>
@@ -2180,40 +2390,40 @@
             </a:lvl5pPr>
           </a:lstStyle>
           <a:p>
-            <a:pPr lvl="0" eaLnBrk="1" latinLnBrk="0" hangingPunct="1"/>
+            <a:pPr lvl="0"/>
             <a:r>
               <a:rPr lang="en-US" smtClean="0"/>
               <a:t>Click to edit Master text styles</a:t>
             </a:r>
           </a:p>
           <a:p>
-            <a:pPr lvl="1" eaLnBrk="1" latinLnBrk="0" hangingPunct="1"/>
+            <a:pPr lvl="1"/>
             <a:r>
               <a:rPr lang="en-US" smtClean="0"/>
               <a:t>Second level</a:t>
             </a:r>
           </a:p>
           <a:p>
-            <a:pPr lvl="2" eaLnBrk="1" latinLnBrk="0" hangingPunct="1"/>
+            <a:pPr lvl="2"/>
             <a:r>
               <a:rPr lang="en-US" smtClean="0"/>
               <a:t>Third level</a:t>
             </a:r>
           </a:p>
           <a:p>
-            <a:pPr lvl="3" eaLnBrk="1" latinLnBrk="0" hangingPunct="1"/>
+            <a:pPr lvl="3"/>
             <a:r>
               <a:rPr lang="en-US" smtClean="0"/>
               <a:t>Fourth level</a:t>
             </a:r>
           </a:p>
           <a:p>
-            <a:pPr lvl="4" eaLnBrk="1" latinLnBrk="0" hangingPunct="1"/>
+            <a:pPr lvl="4"/>
             <a:r>
               <a:rPr lang="en-US" smtClean="0"/>
               <a:t>Fifth level</a:t>
             </a:r>
-            <a:endParaRPr kumimoji="0" lang="en-US"/>
+            <a:endParaRPr lang="en-US"/>
           </a:p>
         </p:txBody>
       </p:sp>
@@ -2261,40 +2471,40 @@
             </a:lvl5pPr>
           </a:lstStyle>
           <a:p>
-            <a:pPr lvl="0" eaLnBrk="1" latinLnBrk="0" hangingPunct="1"/>
+            <a:pPr lvl="0"/>
             <a:r>
               <a:rPr lang="en-US" smtClean="0"/>
               <a:t>Click to edit Master text styles</a:t>
             </a:r>
           </a:p>
           <a:p>
-            <a:pPr lvl="1" eaLnBrk="1" latinLnBrk="0" hangingPunct="1"/>
+            <a:pPr lvl="1"/>
             <a:r>
               <a:rPr lang="en-US" smtClean="0"/>
               <a:t>Second level</a:t>
             </a:r>
           </a:p>
           <a:p>
-            <a:pPr lvl="2" eaLnBrk="1" latinLnBrk="0" hangingPunct="1"/>
+            <a:pPr lvl="2"/>
             <a:r>
               <a:rPr lang="en-US" smtClean="0"/>
               <a:t>Third level</a:t>
             </a:r>
           </a:p>
           <a:p>
-            <a:pPr lvl="3" eaLnBrk="1" latinLnBrk="0" hangingPunct="1"/>
+            <a:pPr lvl="3"/>
             <a:r>
               <a:rPr lang="en-US" smtClean="0"/>
               <a:t>Fourth level</a:t>
             </a:r>
           </a:p>
           <a:p>
-            <a:pPr lvl="4" eaLnBrk="1" latinLnBrk="0" hangingPunct="1"/>
+            <a:pPr lvl="4"/>
             <a:r>
               <a:rPr lang="en-US" smtClean="0"/>
               <a:t>Fifth level</a:t>
             </a:r>
-            <a:endParaRPr kumimoji="0" lang="en-US"/>
+            <a:endParaRPr lang="en-US"/>
           </a:p>
         </p:txBody>
       </p:sp>
@@ -2311,11 +2521,20 @@
         <p:spPr/>
         <p:txBody>
           <a:bodyPr/>
-          <a:lstStyle/>
-          <a:p>
-            <a:fld id="{578D3EDA-CDD4-4B8C-8889-A1E60E6090FC}" type="datetimeFigureOut">
-              <a:rPr lang="en-US" smtClean="0"/>
-              <a:pPr/>
+          <a:lstStyle>
+            <a:lvl1pPr>
+              <a:defRPr/>
+            </a:lvl1pPr>
+          </a:lstStyle>
+          <a:p>
+            <a:pPr>
+              <a:defRPr/>
+            </a:pPr>
+            <a:fld id="{E2BBBB04-6156-4123-9D34-61A6D8386518}" type="datetimeFigureOut">
+              <a:rPr lang="en-US"/>
+              <a:pPr>
+                <a:defRPr/>
+              </a:pPr>
               <a:t>4/29/2013</a:t>
             </a:fld>
             <a:endParaRPr lang="en-US"/>
@@ -2335,8 +2554,15 @@
         <p:spPr/>
         <p:txBody>
           <a:bodyPr/>
-          <a:lstStyle/>
-          <a:p>
+          <a:lstStyle>
+            <a:lvl1pPr>
+              <a:defRPr/>
+            </a:lvl1pPr>
+          </a:lstStyle>
+          <a:p>
+            <a:pPr>
+              <a:defRPr/>
+            </a:pPr>
             <a:endParaRPr lang="en-US"/>
           </a:p>
         </p:txBody>
@@ -2354,10 +2580,14 @@
         <p:spPr/>
         <p:txBody>
           <a:bodyPr/>
-          <a:lstStyle/>
-          <a:p>
-            <a:fld id="{C766FA25-E0A3-4D46-9455-78B8C0E697F6}" type="slidenum">
-              <a:rPr lang="en-US" smtClean="0"/>
+          <a:lstStyle>
+            <a:lvl1pPr>
+              <a:defRPr/>
+            </a:lvl1pPr>
+          </a:lstStyle>
+          <a:p>
+            <a:fld id="{E8D4B0C3-9D0A-48E1-A5E5-94447026C0AB}" type="slidenum">
+              <a:rPr lang="en-US"/>
               <a:pPr/>
               <a:t>‹#›</a:t>
             </a:fld>
@@ -2366,6 +2596,11 @@
         </p:txBody>
       </p:sp>
     </p:spTree>
+    <p:extLst>
+      <p:ext uri="{BB962C8B-B14F-4D97-AF65-F5344CB8AC3E}">
+        <p14:creationId xmlns:p14="http://schemas.microsoft.com/office/powerpoint/2010/main" val="948707412"/>
+      </p:ext>
+    </p:extLst>
   </p:cSld>
   <p:clrMapOvr>
     <a:overrideClrMapping bg1="lt1" tx1="dk1" bg2="lt2" tx2="dk2" accent1="accent1" accent2="accent2" accent3="accent3" accent4="accent4" accent5="accent5" accent6="accent6" hlink="hlink" folHlink="folHlink"/>
@@ -2397,6 +2632,29 @@
       </p:grpSpPr>
       <p:sp>
         <p:nvSpPr>
+          <p:cNvPr id="6" name="Title 5"/>
+          <p:cNvSpPr>
+            <a:spLocks noGrp="1"/>
+          </p:cNvSpPr>
+          <p:nvPr>
+            <p:ph type="title"/>
+          </p:nvPr>
+        </p:nvSpPr>
+        <p:spPr/>
+        <p:txBody>
+          <a:bodyPr rtlCol="0"/>
+          <a:lstStyle/>
+          <a:p>
+            <a:r>
+              <a:rPr lang="en-US" smtClean="0"/>
+              <a:t>Click to edit Master title style</a:t>
+            </a:r>
+            <a:endParaRPr lang="en-US"/>
+          </a:p>
+        </p:txBody>
+      </p:sp>
+      <p:sp>
+        <p:nvSpPr>
           <p:cNvPr id="3" name="Date Placeholder 2"/>
           <p:cNvSpPr>
             <a:spLocks noGrp="1"/>
@@ -2408,11 +2666,20 @@
         <p:spPr/>
         <p:txBody>
           <a:bodyPr/>
-          <a:lstStyle/>
-          <a:p>
-            <a:fld id="{578D3EDA-CDD4-4B8C-8889-A1E60E6090FC}" type="datetimeFigureOut">
-              <a:rPr lang="en-US" smtClean="0"/>
-              <a:pPr/>
+          <a:lstStyle>
+            <a:lvl1pPr>
+              <a:defRPr/>
+            </a:lvl1pPr>
+          </a:lstStyle>
+          <a:p>
+            <a:pPr>
+              <a:defRPr/>
+            </a:pPr>
+            <a:fld id="{36199C61-4AE1-480C-9F9A-F8C64192539B}" type="datetimeFigureOut">
+              <a:rPr lang="en-US"/>
+              <a:pPr>
+                <a:defRPr/>
+              </a:pPr>
               <a:t>4/29/2013</a:t>
             </a:fld>
             <a:endParaRPr lang="en-US"/>
@@ -2432,8 +2699,15 @@
         <p:spPr/>
         <p:txBody>
           <a:bodyPr/>
-          <a:lstStyle/>
-          <a:p>
+          <a:lstStyle>
+            <a:lvl1pPr>
+              <a:defRPr/>
+            </a:lvl1pPr>
+          </a:lstStyle>
+          <a:p>
+            <a:pPr>
+              <a:defRPr/>
+            </a:pPr>
             <a:endParaRPr lang="en-US"/>
           </a:p>
         </p:txBody>
@@ -2451,10 +2725,14 @@
         <p:spPr/>
         <p:txBody>
           <a:bodyPr/>
-          <a:lstStyle/>
-          <a:p>
-            <a:fld id="{C766FA25-E0A3-4D46-9455-78B8C0E697F6}" type="slidenum">
-              <a:rPr lang="en-US" smtClean="0"/>
+          <a:lstStyle>
+            <a:lvl1pPr>
+              <a:defRPr/>
+            </a:lvl1pPr>
+          </a:lstStyle>
+          <a:p>
+            <a:fld id="{780B5800-453C-4358-9733-5D6401C7DB0B}" type="slidenum">
+              <a:rPr lang="en-US"/>
               <a:pPr/>
               <a:t>‹#›</a:t>
             </a:fld>
@@ -2462,30 +2740,12 @@
           </a:p>
         </p:txBody>
       </p:sp>
-      <p:sp>
-        <p:nvSpPr>
-          <p:cNvPr id="6" name="Title 5"/>
-          <p:cNvSpPr>
-            <a:spLocks noGrp="1"/>
-          </p:cNvSpPr>
-          <p:nvPr>
-            <p:ph type="title"/>
-          </p:nvPr>
-        </p:nvSpPr>
-        <p:spPr/>
-        <p:txBody>
-          <a:bodyPr rtlCol="0"/>
-          <a:lstStyle/>
-          <a:p>
-            <a:r>
-              <a:rPr kumimoji="0" lang="en-US" smtClean="0"/>
-              <a:t>Click to edit Master title style</a:t>
-            </a:r>
-            <a:endParaRPr kumimoji="0" lang="en-US"/>
-          </a:p>
-        </p:txBody>
-      </p:sp>
     </p:spTree>
+    <p:extLst>
+      <p:ext uri="{BB962C8B-B14F-4D97-AF65-F5344CB8AC3E}">
+        <p14:creationId xmlns:p14="http://schemas.microsoft.com/office/powerpoint/2010/main" val="2268740148"/>
+      </p:ext>
+    </p:extLst>
   </p:cSld>
   <p:clrMapOvr>
     <a:overrideClrMapping bg1="dk1" tx1="lt1" bg2="dk2" tx2="lt2" accent1="accent1" accent2="accent2" accent3="accent3" accent4="accent4" accent5="accent5" accent6="accent6" hlink="hlink" folHlink="folHlink"/>
@@ -2512,7 +2772,7 @@
       </p:grpSpPr>
       <p:sp>
         <p:nvSpPr>
-          <p:cNvPr id="2" name="Date Placeholder 1"/>
+          <p:cNvPr id="2" name="Date Placeholder 9"/>
           <p:cNvSpPr>
             <a:spLocks noGrp="1"/>
           </p:cNvSpPr>
@@ -2523,11 +2783,20 @@
         <p:spPr/>
         <p:txBody>
           <a:bodyPr/>
-          <a:lstStyle/>
-          <a:p>
-            <a:fld id="{578D3EDA-CDD4-4B8C-8889-A1E60E6090FC}" type="datetimeFigureOut">
-              <a:rPr lang="en-US" smtClean="0"/>
-              <a:pPr/>
+          <a:lstStyle>
+            <a:lvl1pPr>
+              <a:defRPr/>
+            </a:lvl1pPr>
+          </a:lstStyle>
+          <a:p>
+            <a:pPr>
+              <a:defRPr/>
+            </a:pPr>
+            <a:fld id="{787BAA89-23CE-4A79-846A-03383743129F}" type="datetimeFigureOut">
+              <a:rPr lang="en-US"/>
+              <a:pPr>
+                <a:defRPr/>
+              </a:pPr>
               <a:t>4/29/2013</a:t>
             </a:fld>
             <a:endParaRPr lang="en-US"/>
@@ -2536,7 +2805,7 @@
       </p:sp>
       <p:sp>
         <p:nvSpPr>
-          <p:cNvPr id="3" name="Footer Placeholder 2"/>
+          <p:cNvPr id="3" name="Footer Placeholder 21"/>
           <p:cNvSpPr>
             <a:spLocks noGrp="1"/>
           </p:cNvSpPr>
@@ -2547,15 +2816,22 @@
         <p:spPr/>
         <p:txBody>
           <a:bodyPr/>
-          <a:lstStyle/>
-          <a:p>
-            <a:endParaRPr lang="en-US"/>
-          </a:p>
-        </p:txBody>
-      </p:sp>
-      <p:sp>
-        <p:nvSpPr>
-          <p:cNvPr id="4" name="Slide Number Placeholder 3"/>
+          <a:lstStyle>
+            <a:lvl1pPr>
+              <a:defRPr/>
+            </a:lvl1pPr>
+          </a:lstStyle>
+          <a:p>
+            <a:pPr>
+              <a:defRPr/>
+            </a:pPr>
+            <a:endParaRPr lang="en-US"/>
+          </a:p>
+        </p:txBody>
+      </p:sp>
+      <p:sp>
+        <p:nvSpPr>
+          <p:cNvPr id="4" name="Slide Number Placeholder 17"/>
           <p:cNvSpPr>
             <a:spLocks noGrp="1"/>
           </p:cNvSpPr>
@@ -2566,10 +2842,14 @@
         <p:spPr/>
         <p:txBody>
           <a:bodyPr/>
-          <a:lstStyle/>
-          <a:p>
-            <a:fld id="{C766FA25-E0A3-4D46-9455-78B8C0E697F6}" type="slidenum">
-              <a:rPr lang="en-US" smtClean="0"/>
+          <a:lstStyle>
+            <a:lvl1pPr>
+              <a:defRPr/>
+            </a:lvl1pPr>
+          </a:lstStyle>
+          <a:p>
+            <a:fld id="{3124583B-8A60-41FC-984F-7DC0530FCD06}" type="slidenum">
+              <a:rPr lang="en-US"/>
               <a:pPr/>
               <a:t>‹#›</a:t>
             </a:fld>
@@ -2578,6 +2858,11 @@
         </p:txBody>
       </p:sp>
     </p:spTree>
+    <p:extLst>
+      <p:ext uri="{BB962C8B-B14F-4D97-AF65-F5344CB8AC3E}">
+        <p14:creationId xmlns:p14="http://schemas.microsoft.com/office/powerpoint/2010/main" val="1297710101"/>
+      </p:ext>
+    </p:extLst>
   </p:cSld>
   <p:clrMapOvr>
     <a:masterClrMapping/>
@@ -2624,7 +2909,7 @@
           </a:xfrm>
         </p:spPr>
         <p:txBody>
-          <a:bodyPr vert="horz" anchor="t">
+          <a:bodyPr anchor="t">
             <a:noAutofit/>
             <a:sp3d prstMaterial="softEdge">
               <a:bevelT w="0" h="0"/>
@@ -2643,10 +2928,10 @@
           </a:lstStyle>
           <a:p>
             <a:r>
-              <a:rPr kumimoji="0" lang="en-US" smtClean="0"/>
+              <a:rPr lang="en-US" smtClean="0"/>
               <a:t>Click to edit Master title style</a:t>
             </a:r>
-            <a:endParaRPr kumimoji="0" lang="en-US"/>
+            <a:endParaRPr lang="en-US"/>
           </a:p>
         </p:txBody>
       </p:sp>
@@ -2691,9 +2976,9 @@
             </a:lvl5pPr>
           </a:lstStyle>
           <a:p>
-            <a:pPr lvl="0" eaLnBrk="1" latinLnBrk="0" hangingPunct="1"/>
-            <a:r>
-              <a:rPr kumimoji="0" lang="en-US" smtClean="0"/>
+            <a:pPr lvl="0"/>
+            <a:r>
+              <a:rPr lang="en-US" smtClean="0"/>
               <a:t>Click to edit Master text styles</a:t>
             </a:r>
           </a:p>
@@ -2735,40 +3020,40 @@
             </a:lvl5pPr>
           </a:lstStyle>
           <a:p>
-            <a:pPr lvl="0" eaLnBrk="1" latinLnBrk="0" hangingPunct="1"/>
+            <a:pPr lvl="0"/>
             <a:r>
               <a:rPr lang="en-US" smtClean="0"/>
               <a:t>Click to edit Master text styles</a:t>
             </a:r>
           </a:p>
           <a:p>
-            <a:pPr lvl="1" eaLnBrk="1" latinLnBrk="0" hangingPunct="1"/>
+            <a:pPr lvl="1"/>
             <a:r>
               <a:rPr lang="en-US" smtClean="0"/>
               <a:t>Second level</a:t>
             </a:r>
           </a:p>
           <a:p>
-            <a:pPr lvl="2" eaLnBrk="1" latinLnBrk="0" hangingPunct="1"/>
+            <a:pPr lvl="2"/>
             <a:r>
               <a:rPr lang="en-US" smtClean="0"/>
               <a:t>Third level</a:t>
             </a:r>
           </a:p>
           <a:p>
-            <a:pPr lvl="3" eaLnBrk="1" latinLnBrk="0" hangingPunct="1"/>
+            <a:pPr lvl="3"/>
             <a:r>
               <a:rPr lang="en-US" smtClean="0"/>
               <a:t>Fourth level</a:t>
             </a:r>
           </a:p>
           <a:p>
-            <a:pPr lvl="4" eaLnBrk="1" latinLnBrk="0" hangingPunct="1"/>
+            <a:pPr lvl="4"/>
             <a:r>
               <a:rPr lang="en-US" smtClean="0"/>
               <a:t>Fifth level</a:t>
             </a:r>
-            <a:endParaRPr kumimoji="0" lang="en-US"/>
+            <a:endParaRPr lang="en-US"/>
           </a:p>
         </p:txBody>
       </p:sp>
@@ -2782,19 +3067,23 @@
             <p:ph type="dt" sz="half" idx="10"/>
           </p:nvPr>
         </p:nvSpPr>
-        <p:spPr>
-          <a:xfrm>
-            <a:off x="6727032" y="6407944"/>
-            <a:ext cx="1920240" cy="365760"/>
-          </a:xfrm>
-        </p:spPr>
+        <p:spPr/>
         <p:txBody>
           <a:bodyPr/>
-          <a:lstStyle/>
-          <a:p>
-            <a:fld id="{578D3EDA-CDD4-4B8C-8889-A1E60E6090FC}" type="datetimeFigureOut">
-              <a:rPr lang="en-US" smtClean="0"/>
-              <a:pPr/>
+          <a:lstStyle>
+            <a:lvl1pPr>
+              <a:defRPr/>
+            </a:lvl1pPr>
+          </a:lstStyle>
+          <a:p>
+            <a:pPr>
+              <a:defRPr/>
+            </a:pPr>
+            <a:fld id="{18C21FB1-41C7-4C68-A7C5-028660F385D7}" type="datetimeFigureOut">
+              <a:rPr lang="en-US"/>
+              <a:pPr>
+                <a:defRPr/>
+              </a:pPr>
               <a:t>4/29/2013</a:t>
             </a:fld>
             <a:endParaRPr lang="en-US"/>
@@ -2814,8 +3103,15 @@
         <p:spPr/>
         <p:txBody>
           <a:bodyPr/>
-          <a:lstStyle/>
-          <a:p>
+          <a:lstStyle>
+            <a:lvl1pPr>
+              <a:defRPr/>
+            </a:lvl1pPr>
+          </a:lstStyle>
+          <a:p>
+            <a:pPr>
+              <a:defRPr/>
+            </a:pPr>
             <a:endParaRPr lang="en-US"/>
           </a:p>
         </p:txBody>
@@ -2833,10 +3129,14 @@
         <p:spPr/>
         <p:txBody>
           <a:bodyPr/>
-          <a:lstStyle/>
-          <a:p>
-            <a:fld id="{C766FA25-E0A3-4D46-9455-78B8C0E697F6}" type="slidenum">
-              <a:rPr lang="en-US" smtClean="0"/>
+          <a:lstStyle>
+            <a:lvl1pPr>
+              <a:defRPr/>
+            </a:lvl1pPr>
+          </a:lstStyle>
+          <a:p>
+            <a:fld id="{613A0FE2-84D6-4EF3-B8D2-DAC9EF624CD6}" type="slidenum">
+              <a:rPr lang="en-US"/>
               <a:pPr/>
               <a:t>‹#›</a:t>
             </a:fld>
@@ -2845,6 +3145,11 @@
         </p:txBody>
       </p:sp>
     </p:spTree>
+    <p:extLst>
+      <p:ext uri="{BB962C8B-B14F-4D97-AF65-F5344CB8AC3E}">
+        <p14:creationId xmlns:p14="http://schemas.microsoft.com/office/powerpoint/2010/main" val="955456435"/>
+      </p:ext>
+    </p:extLst>
   </p:cSld>
   <p:clrMapOvr>
     <a:overrideClrMapping bg1="lt1" tx1="dk1" bg2="lt2" tx2="dk2" accent1="accent1" accent2="accent2" accent3="accent3" accent4="accent4" accent5="accent5" accent6="accent6" hlink="hlink" folHlink="folHlink"/>
@@ -2876,245 +3181,7 @@
       </p:grpSpPr>
       <p:sp>
         <p:nvSpPr>
-          <p:cNvPr id="4" name="Text Placeholder 3"/>
-          <p:cNvSpPr>
-            <a:spLocks noGrp="1"/>
-          </p:cNvSpPr>
-          <p:nvPr>
-            <p:ph type="body" sz="half" idx="2"/>
-          </p:nvPr>
-        </p:nvSpPr>
-        <p:spPr>
-          <a:xfrm>
-            <a:off x="1141232" y="5443402"/>
-            <a:ext cx="7162800" cy="648232"/>
-          </a:xfrm>
-          <a:noFill/>
-        </p:spPr>
-        <p:txBody>
-          <a:bodyPr lIns="91440" tIns="0" rIns="91440" anchor="t"/>
-          <a:lstStyle>
-            <a:lvl1pPr marL="0" marR="18288" indent="0" algn="r">
-              <a:buNone/>
-              <a:defRPr sz="1400"/>
-            </a:lvl1pPr>
-            <a:lvl2pPr>
-              <a:defRPr sz="1200"/>
-            </a:lvl2pPr>
-            <a:lvl3pPr>
-              <a:defRPr sz="1000"/>
-            </a:lvl3pPr>
-            <a:lvl4pPr>
-              <a:defRPr sz="900"/>
-            </a:lvl4pPr>
-            <a:lvl5pPr>
-              <a:defRPr sz="900"/>
-            </a:lvl5pPr>
-          </a:lstStyle>
-          <a:p>
-            <a:pPr lvl="0" eaLnBrk="1" latinLnBrk="0" hangingPunct="1"/>
-            <a:r>
-              <a:rPr kumimoji="0" lang="en-US" smtClean="0"/>
-              <a:t>Click to edit Master text styles</a:t>
-            </a:r>
-          </a:p>
-        </p:txBody>
-      </p:sp>
-      <p:sp>
-        <p:nvSpPr>
-          <p:cNvPr id="3" name="Picture Placeholder 2"/>
-          <p:cNvSpPr>
-            <a:spLocks noGrp="1"/>
-          </p:cNvSpPr>
-          <p:nvPr>
-            <p:ph type="pic" idx="1"/>
-          </p:nvPr>
-        </p:nvSpPr>
-        <p:spPr>
-          <a:xfrm>
-            <a:off x="228600" y="189968"/>
-            <a:ext cx="8686800" cy="4389120"/>
-          </a:xfrm>
-          <a:prstGeom prst="rect">
-            <a:avLst/>
-          </a:prstGeom>
-          <a:solidFill>
-            <a:schemeClr val="bg2"/>
-          </a:solidFill>
-          <a:ln>
-            <a:solidFill>
-              <a:schemeClr val="bg1"/>
-            </a:solidFill>
-          </a:ln>
-          <a:effectLst>
-            <a:innerShdw blurRad="95250">
-              <a:srgbClr val="000000"/>
-            </a:innerShdw>
-          </a:effectLst>
-        </p:spPr>
-        <p:txBody>
-          <a:bodyPr/>
-          <a:lstStyle>
-            <a:lvl1pPr marL="0" indent="0">
-              <a:buNone/>
-              <a:defRPr sz="3200"/>
-            </a:lvl1pPr>
-          </a:lstStyle>
-          <a:p>
-            <a:r>
-              <a:rPr kumimoji="0" lang="en-US" smtClean="0"/>
-              <a:t>Click icon to add picture</a:t>
-            </a:r>
-            <a:endParaRPr kumimoji="0" lang="en-US" dirty="0"/>
-          </a:p>
-        </p:txBody>
-      </p:sp>
-      <p:sp>
-        <p:nvSpPr>
-          <p:cNvPr id="5" name="Date Placeholder 4"/>
-          <p:cNvSpPr>
-            <a:spLocks noGrp="1"/>
-          </p:cNvSpPr>
-          <p:nvPr>
-            <p:ph type="dt" sz="half" idx="10"/>
-          </p:nvPr>
-        </p:nvSpPr>
-        <p:spPr/>
-        <p:txBody>
-          <a:bodyPr/>
-          <a:lstStyle>
-            <a:lvl1pPr>
-              <a:defRPr>
-                <a:solidFill>
-                  <a:schemeClr val="tx1"/>
-                </a:solidFill>
-              </a:defRPr>
-            </a:lvl1pPr>
-          </a:lstStyle>
-          <a:p>
-            <a:fld id="{578D3EDA-CDD4-4B8C-8889-A1E60E6090FC}" type="datetimeFigureOut">
-              <a:rPr lang="en-US" smtClean="0"/>
-              <a:pPr/>
-              <a:t>4/29/2013</a:t>
-            </a:fld>
-            <a:endParaRPr lang="en-US"/>
-          </a:p>
-        </p:txBody>
-      </p:sp>
-      <p:sp>
-        <p:nvSpPr>
-          <p:cNvPr id="6" name="Footer Placeholder 5"/>
-          <p:cNvSpPr>
-            <a:spLocks noGrp="1"/>
-          </p:cNvSpPr>
-          <p:nvPr>
-            <p:ph type="ftr" sz="quarter" idx="11"/>
-          </p:nvPr>
-        </p:nvSpPr>
-        <p:spPr>
-          <a:xfrm>
-            <a:off x="4380072" y="6407944"/>
-            <a:ext cx="2350681" cy="365125"/>
-          </a:xfrm>
-        </p:spPr>
-        <p:txBody>
-          <a:bodyPr/>
-          <a:lstStyle>
-            <a:lvl1pPr>
-              <a:defRPr>
-                <a:solidFill>
-                  <a:schemeClr val="tx1"/>
-                </a:solidFill>
-              </a:defRPr>
-            </a:lvl1pPr>
-          </a:lstStyle>
-          <a:p>
-            <a:endParaRPr lang="en-US"/>
-          </a:p>
-        </p:txBody>
-      </p:sp>
-      <p:sp>
-        <p:nvSpPr>
-          <p:cNvPr id="7" name="Slide Number Placeholder 6"/>
-          <p:cNvSpPr>
-            <a:spLocks noGrp="1"/>
-          </p:cNvSpPr>
-          <p:nvPr>
-            <p:ph type="sldNum" sz="quarter" idx="12"/>
-          </p:nvPr>
-        </p:nvSpPr>
-        <p:spPr/>
-        <p:txBody>
-          <a:bodyPr/>
-          <a:lstStyle>
-            <a:lvl1pPr>
-              <a:defRPr>
-                <a:solidFill>
-                  <a:schemeClr val="tx1"/>
-                </a:solidFill>
-              </a:defRPr>
-            </a:lvl1pPr>
-          </a:lstStyle>
-          <a:p>
-            <a:fld id="{C766FA25-E0A3-4D46-9455-78B8C0E697F6}" type="slidenum">
-              <a:rPr lang="en-US" smtClean="0"/>
-              <a:pPr/>
-              <a:t>‹#›</a:t>
-            </a:fld>
-            <a:endParaRPr lang="en-US"/>
-          </a:p>
-        </p:txBody>
-      </p:sp>
-      <p:sp>
-        <p:nvSpPr>
-          <p:cNvPr id="2" name="Title 1"/>
-          <p:cNvSpPr>
-            <a:spLocks noGrp="1"/>
-          </p:cNvSpPr>
-          <p:nvPr>
-            <p:ph type="title"/>
-          </p:nvPr>
-        </p:nvSpPr>
-        <p:spPr>
-          <a:xfrm>
-            <a:off x="228600" y="4865122"/>
-            <a:ext cx="8075432" cy="562672"/>
-          </a:xfrm>
-          <a:noFill/>
-        </p:spPr>
-        <p:txBody>
-          <a:bodyPr anchor="t">
-            <a:sp3d prstMaterial="softEdge"/>
-          </a:bodyPr>
-          <a:lstStyle>
-            <a:lvl1pPr marR="0" algn="r">
-              <a:buNone/>
-              <a:defRPr sz="3000" b="0">
-                <a:solidFill>
-                  <a:schemeClr val="accent1"/>
-                </a:solidFill>
-                <a:effectLst>
-                  <a:outerShdw blurRad="50800" dist="25000" dir="5400000" algn="t" rotWithShape="0">
-                    <a:prstClr val="black">
-                      <a:alpha val="45000"/>
-                    </a:prstClr>
-                  </a:outerShdw>
-                </a:effectLst>
-              </a:defRPr>
-            </a:lvl1pPr>
-          </a:lstStyle>
-          <a:p>
-            <a:r>
-              <a:rPr kumimoji="0" lang="en-US" smtClean="0"/>
-              <a:t>Click to edit Master title style</a:t>
-            </a:r>
-            <a:endParaRPr kumimoji="0" lang="en-US"/>
-          </a:p>
-        </p:txBody>
-      </p:sp>
-      <p:sp>
-        <p:nvSpPr>
-          <p:cNvPr id="8" name="Freeform 7"/>
+          <p:cNvPr id="5" name="Freeform 7"/>
           <p:cNvSpPr>
             <a:spLocks/>
           </p:cNvSpPr>
@@ -3122,8 +3189,8 @@
         </p:nvSpPr>
         <p:spPr bwMode="auto">
           <a:xfrm>
-            <a:off x="499273" y="5944936"/>
-            <a:ext cx="4940624" cy="921076"/>
+            <a:off x="500063" y="5945188"/>
+            <a:ext cx="4940300" cy="920750"/>
           </a:xfrm>
           <a:custGeom>
             <a:avLst>
@@ -3187,16 +3254,28 @@
           <a:effectLst/>
         </p:spPr>
         <p:txBody>
-          <a:bodyPr vert="horz" wrap="square" lIns="91440" tIns="45720" rIns="91440" bIns="45720" anchor="t" compatLnSpc="1"/>
+          <a:bodyPr/>
           <a:lstStyle/>
           <a:p>
-            <a:endParaRPr kumimoji="0" lang="en-US"/>
-          </a:p>
-        </p:txBody>
-      </p:sp>
-      <p:sp>
-        <p:nvSpPr>
-          <p:cNvPr id="9" name="Freeform 8"/>
+            <a:pPr eaLnBrk="1" fontAlgn="auto" hangingPunct="1">
+              <a:spcBef>
+                <a:spcPts val="0"/>
+              </a:spcBef>
+              <a:spcAft>
+                <a:spcPts val="0"/>
+              </a:spcAft>
+              <a:defRPr/>
+            </a:pPr>
+            <a:endParaRPr lang="en-US">
+              <a:latin typeface="+mn-lt"/>
+              <a:cs typeface="+mn-cs"/>
+            </a:endParaRPr>
+          </a:p>
+        </p:txBody>
+      </p:sp>
+      <p:sp>
+        <p:nvSpPr>
+          <p:cNvPr id="6" name="Freeform 8"/>
           <p:cNvSpPr>
             <a:spLocks/>
           </p:cNvSpPr>
@@ -3204,37 +3283,45 @@
         </p:nvSpPr>
         <p:spPr bwMode="auto">
           <a:xfrm>
-            <a:off x="485717" y="5939011"/>
-            <a:ext cx="3690451" cy="933450"/>
+            <a:off x="485775" y="5938838"/>
+            <a:ext cx="3690938" cy="933450"/>
           </a:xfrm>
           <a:custGeom>
-            <a:avLst>
-              <a:gd name="A1" fmla="val 0"/>
-              <a:gd name="A2" fmla="val 0"/>
-              <a:gd name="A3" fmla="val 0"/>
-              <a:gd name="A4" fmla="val 0"/>
-              <a:gd name="A5" fmla="val 0"/>
-              <a:gd name="A6" fmla="val 0"/>
-              <a:gd name="A7" fmla="val 0"/>
-              <a:gd name="A8" fmla="val 0"/>
-            </a:avLst>
-            <a:gdLst/>
+            <a:avLst/>
+            <a:gdLst>
+              <a:gd name="T0" fmla="*/ 0 w 5591"/>
+              <a:gd name="T1" fmla="*/ 0 h 588"/>
+              <a:gd name="T2" fmla="*/ 5760 w 5591"/>
+              <a:gd name="T3" fmla="*/ 0 h 588"/>
+              <a:gd name="T4" fmla="*/ 5760 w 5591"/>
+              <a:gd name="T5" fmla="*/ 528 h 588"/>
+              <a:gd name="T6" fmla="*/ 48 w 5591"/>
+              <a:gd name="T7" fmla="*/ 0 h 588"/>
+              <a:gd name="T8" fmla="*/ 0 60000 65536"/>
+              <a:gd name="T9" fmla="*/ 0 60000 65536"/>
+              <a:gd name="T10" fmla="*/ 0 60000 65536"/>
+              <a:gd name="T11" fmla="*/ 0 60000 65536"/>
+              <a:gd name="T12" fmla="*/ 0 w 5591"/>
+              <a:gd name="T13" fmla="*/ 0 h 588"/>
+              <a:gd name="T14" fmla="*/ 5591 w 5591"/>
+              <a:gd name="T15" fmla="*/ 588 h 588"/>
+            </a:gdLst>
             <a:ahLst/>
             <a:cxnLst>
-              <a:cxn ang="0">
-                <a:pos x="0" y="0"/>
+              <a:cxn ang="T8">
+                <a:pos x="T0" y="T1"/>
               </a:cxn>
-              <a:cxn ang="0">
-                <a:pos x="5760" y="0"/>
+              <a:cxn ang="T9">
+                <a:pos x="T2" y="T3"/>
               </a:cxn>
-              <a:cxn ang="0">
-                <a:pos x="5760" y="528"/>
+              <a:cxn ang="T10">
+                <a:pos x="T4" y="T5"/>
               </a:cxn>
-              <a:cxn ang="0">
-                <a:pos x="48" y="0"/>
+              <a:cxn ang="T11">
+                <a:pos x="T6" y="T7"/>
               </a:cxn>
             </a:cxnLst>
-            <a:rect l="0" t="0" r="0" b="0"/>
+            <a:rect l="T12" t="T13" r="T14" b="T15"/>
             <a:pathLst>
               <a:path w="5591" h="588">
                 <a:moveTo>
@@ -3253,30 +3340,36 @@
             </a:pathLst>
           </a:custGeom>
           <a:solidFill>
-            <a:srgbClr val="000000">
-              <a:alpha val="100000"/>
-            </a:srgbClr>
+            <a:srgbClr val="000000"/>
           </a:solidFill>
-          <a:ln w="9525" cap="flat" cmpd="sng" algn="ctr">
+          <a:ln>
             <a:noFill/>
-            <a:prstDash val="solid"/>
-            <a:round/>
-            <a:headEnd type="none" w="med" len="med"/>
-            <a:tailEnd type="none" w="med" len="med"/>
           </a:ln>
-          <a:effectLst/>
+          <a:extLst>
+            <a:ext uri="{91240B29-F687-4F45-9708-019B960494DF}">
+              <a14:hiddenLine xmlns:a14="http://schemas.microsoft.com/office/drawing/2010/main" w="9525" cap="flat" cmpd="sng" algn="ctr">
+                <a:solidFill>
+                  <a:srgbClr val="000000"/>
+                </a:solidFill>
+                <a:prstDash val="solid"/>
+                <a:round/>
+                <a:headEnd type="none" w="med" len="med"/>
+                <a:tailEnd type="none" w="med" len="med"/>
+              </a14:hiddenLine>
+            </a:ext>
+          </a:extLst>
         </p:spPr>
         <p:txBody>
-          <a:bodyPr vert="horz" wrap="square" lIns="91440" tIns="45720" rIns="91440" bIns="45720" anchor="t" compatLnSpc="1"/>
+          <a:bodyPr/>
           <a:lstStyle/>
           <a:p>
-            <a:endParaRPr kumimoji="0" lang="en-US"/>
-          </a:p>
-        </p:txBody>
-      </p:sp>
-      <p:sp>
-        <p:nvSpPr>
-          <p:cNvPr id="10" name="Right Triangle 9"/>
+            <a:endParaRPr lang="en-US"/>
+          </a:p>
+        </p:txBody>
+      </p:sp>
+      <p:sp>
+        <p:nvSpPr>
+          <p:cNvPr id="7" name="Right Triangle 9"/>
           <p:cNvSpPr>
             <a:spLocks/>
           </p:cNvSpPr>
@@ -3291,7 +3384,7 @@
             <a:avLst/>
           </a:prstGeom>
           <a:blipFill>
-            <a:blip r:embed="rId2">
+            <a:blip r:embed="rId3">
               <a:alphaModFix amt="50000"/>
             </a:blip>
             <a:tile tx="0" ty="0" sx="50000" sy="50000" flip="none" algn="t"/>
@@ -3375,17 +3468,25 @@
           </a:fontRef>
         </p:style>
         <p:txBody>
-          <a:bodyPr vert="horz" wrap="square" lIns="91440" tIns="45720" rIns="91440" bIns="45720" anchor="ctr" compatLnSpc="1"/>
+          <a:bodyPr anchor="ctr"/>
           <a:lstStyle/>
           <a:p>
-            <a:pPr algn="ctr" eaLnBrk="1" latinLnBrk="0" hangingPunct="1"/>
-            <a:endParaRPr kumimoji="0" lang="en-US"/>
+            <a:pPr algn="ctr" eaLnBrk="1" fontAlgn="auto" hangingPunct="1">
+              <a:spcBef>
+                <a:spcPts val="0"/>
+              </a:spcBef>
+              <a:spcAft>
+                <a:spcPts val="0"/>
+              </a:spcAft>
+              <a:defRPr/>
+            </a:pPr>
+            <a:endParaRPr lang="en-US"/>
           </a:p>
         </p:txBody>
       </p:sp>
       <p:cxnSp>
         <p:nvCxnSpPr>
-          <p:cNvPr id="11" name="Straight Connector 10"/>
+          <p:cNvPr id="8" name="Straight Connector 10"/>
           <p:cNvCxnSpPr/>
           <p:nvPr/>
         </p:nvCxnSpPr>
@@ -3438,14 +3539,14 @@
       </p:cxnSp>
       <p:sp>
         <p:nvSpPr>
-          <p:cNvPr id="12" name="Chevron 11"/>
+          <p:cNvPr id="9" name="Chevron 11"/>
           <p:cNvSpPr/>
           <p:nvPr/>
         </p:nvSpPr>
         <p:spPr>
           <a:xfrm>
-            <a:off x="8664112" y="4988440"/>
-            <a:ext cx="182880" cy="228600"/>
+            <a:off x="8664575" y="4987925"/>
+            <a:ext cx="182563" cy="228600"/>
           </a:xfrm>
           <a:prstGeom prst="chevron">
             <a:avLst>
@@ -3509,21 +3610,29 @@
           <a:bodyPr anchor="ctr"/>
           <a:lstStyle/>
           <a:p>
-            <a:pPr algn="l" eaLnBrk="1" latinLnBrk="0" hangingPunct="1"/>
-            <a:endParaRPr kumimoji="0" lang="en-US"/>
-          </a:p>
-        </p:txBody>
-      </p:sp>
-      <p:sp>
-        <p:nvSpPr>
-          <p:cNvPr id="13" name="Chevron 12"/>
+            <a:pPr eaLnBrk="1" fontAlgn="auto" hangingPunct="1">
+              <a:spcBef>
+                <a:spcPts val="0"/>
+              </a:spcBef>
+              <a:spcAft>
+                <a:spcPts val="0"/>
+              </a:spcAft>
+              <a:defRPr/>
+            </a:pPr>
+            <a:endParaRPr lang="en-US"/>
+          </a:p>
+        </p:txBody>
+      </p:sp>
+      <p:sp>
+        <p:nvSpPr>
+          <p:cNvPr id="10" name="Chevron 12"/>
           <p:cNvSpPr/>
           <p:nvPr/>
         </p:nvSpPr>
         <p:spPr>
           <a:xfrm>
-            <a:off x="8477696" y="4988440"/>
-            <a:ext cx="182880" cy="228600"/>
+            <a:off x="8477250" y="4987925"/>
+            <a:ext cx="182563" cy="228600"/>
           </a:xfrm>
           <a:prstGeom prst="chevron">
             <a:avLst>
@@ -3587,12 +3696,265 @@
           <a:bodyPr anchor="ctr"/>
           <a:lstStyle/>
           <a:p>
-            <a:pPr algn="l" eaLnBrk="1" latinLnBrk="0" hangingPunct="1"/>
-            <a:endParaRPr kumimoji="0" lang="en-US"/>
+            <a:pPr eaLnBrk="1" fontAlgn="auto" hangingPunct="1">
+              <a:spcBef>
+                <a:spcPts val="0"/>
+              </a:spcBef>
+              <a:spcAft>
+                <a:spcPts val="0"/>
+              </a:spcAft>
+              <a:defRPr/>
+            </a:pPr>
+            <a:endParaRPr lang="en-US"/>
+          </a:p>
+        </p:txBody>
+      </p:sp>
+      <p:sp>
+        <p:nvSpPr>
+          <p:cNvPr id="4" name="Text Placeholder 3"/>
+          <p:cNvSpPr>
+            <a:spLocks noGrp="1"/>
+          </p:cNvSpPr>
+          <p:nvPr>
+            <p:ph type="body" sz="half" idx="2"/>
+          </p:nvPr>
+        </p:nvSpPr>
+        <p:spPr>
+          <a:xfrm>
+            <a:off x="1141232" y="5443402"/>
+            <a:ext cx="7162800" cy="648232"/>
+          </a:xfrm>
+          <a:noFill/>
+        </p:spPr>
+        <p:txBody>
+          <a:bodyPr tIns="0"/>
+          <a:lstStyle>
+            <a:lvl1pPr marL="0" marR="18288" indent="0" algn="r">
+              <a:buNone/>
+              <a:defRPr sz="1400"/>
+            </a:lvl1pPr>
+            <a:lvl2pPr>
+              <a:defRPr sz="1200"/>
+            </a:lvl2pPr>
+            <a:lvl3pPr>
+              <a:defRPr sz="1000"/>
+            </a:lvl3pPr>
+            <a:lvl4pPr>
+              <a:defRPr sz="900"/>
+            </a:lvl4pPr>
+            <a:lvl5pPr>
+              <a:defRPr sz="900"/>
+            </a:lvl5pPr>
+          </a:lstStyle>
+          <a:p>
+            <a:pPr lvl="0"/>
+            <a:r>
+              <a:rPr lang="en-US" smtClean="0"/>
+              <a:t>Click to edit Master text styles</a:t>
+            </a:r>
+          </a:p>
+        </p:txBody>
+      </p:sp>
+      <p:sp>
+        <p:nvSpPr>
+          <p:cNvPr id="3" name="Picture Placeholder 2"/>
+          <p:cNvSpPr>
+            <a:spLocks noGrp="1"/>
+          </p:cNvSpPr>
+          <p:nvPr>
+            <p:ph type="pic" idx="1"/>
+          </p:nvPr>
+        </p:nvSpPr>
+        <p:spPr>
+          <a:xfrm>
+            <a:off x="228600" y="189968"/>
+            <a:ext cx="8686800" cy="4389120"/>
+          </a:xfrm>
+          <a:prstGeom prst="rect">
+            <a:avLst/>
+          </a:prstGeom>
+          <a:solidFill>
+            <a:schemeClr val="bg2"/>
+          </a:solidFill>
+          <a:ln>
+            <a:solidFill>
+              <a:schemeClr val="bg1"/>
+            </a:solidFill>
+          </a:ln>
+          <a:effectLst>
+            <a:innerShdw blurRad="95250">
+              <a:srgbClr val="000000"/>
+            </a:innerShdw>
+          </a:effectLst>
+        </p:spPr>
+        <p:txBody>
+          <a:bodyPr>
+            <a:normAutofit/>
+          </a:bodyPr>
+          <a:lstStyle>
+            <a:lvl1pPr marL="0" indent="0">
+              <a:buNone/>
+              <a:defRPr sz="3200"/>
+            </a:lvl1pPr>
+          </a:lstStyle>
+          <a:p>
+            <a:pPr lvl="0"/>
+            <a:r>
+              <a:rPr lang="en-US" noProof="0" smtClean="0"/>
+              <a:t>Click icon to add picture</a:t>
+            </a:r>
+            <a:endParaRPr lang="en-US" noProof="0" dirty="0"/>
+          </a:p>
+        </p:txBody>
+      </p:sp>
+      <p:sp>
+        <p:nvSpPr>
+          <p:cNvPr id="2" name="Title 1"/>
+          <p:cNvSpPr>
+            <a:spLocks noGrp="1"/>
+          </p:cNvSpPr>
+          <p:nvPr>
+            <p:ph type="title"/>
+          </p:nvPr>
+        </p:nvSpPr>
+        <p:spPr>
+          <a:xfrm>
+            <a:off x="228600" y="4865122"/>
+            <a:ext cx="8075432" cy="562672"/>
+          </a:xfrm>
+          <a:noFill/>
+        </p:spPr>
+        <p:txBody>
+          <a:bodyPr anchor="t">
+            <a:sp3d prstMaterial="softEdge"/>
+          </a:bodyPr>
+          <a:lstStyle>
+            <a:lvl1pPr marR="0" algn="r">
+              <a:buNone/>
+              <a:defRPr sz="3000" b="0">
+                <a:solidFill>
+                  <a:schemeClr val="accent1"/>
+                </a:solidFill>
+                <a:effectLst>
+                  <a:outerShdw blurRad="50800" dist="25000" dir="5400000" algn="t" rotWithShape="0">
+                    <a:prstClr val="black">
+                      <a:alpha val="45000"/>
+                    </a:prstClr>
+                  </a:outerShdw>
+                </a:effectLst>
+              </a:defRPr>
+            </a:lvl1pPr>
+          </a:lstStyle>
+          <a:p>
+            <a:r>
+              <a:rPr lang="en-US" smtClean="0"/>
+              <a:t>Click to edit Master title style</a:t>
+            </a:r>
+            <a:endParaRPr lang="en-US"/>
+          </a:p>
+        </p:txBody>
+      </p:sp>
+      <p:sp>
+        <p:nvSpPr>
+          <p:cNvPr id="11" name="Date Placeholder 4"/>
+          <p:cNvSpPr>
+            <a:spLocks noGrp="1"/>
+          </p:cNvSpPr>
+          <p:nvPr>
+            <p:ph type="dt" sz="half" idx="10"/>
+          </p:nvPr>
+        </p:nvSpPr>
+        <p:spPr/>
+        <p:txBody>
+          <a:bodyPr/>
+          <a:lstStyle>
+            <a:lvl1pPr>
+              <a:defRPr>
+                <a:solidFill>
+                  <a:schemeClr val="tx1"/>
+                </a:solidFill>
+              </a:defRPr>
+            </a:lvl1pPr>
+          </a:lstStyle>
+          <a:p>
+            <a:pPr>
+              <a:defRPr/>
+            </a:pPr>
+            <a:fld id="{9DCF80DF-709A-4B49-873A-3F70028BD1B9}" type="datetimeFigureOut">
+              <a:rPr lang="en-US"/>
+              <a:pPr>
+                <a:defRPr/>
+              </a:pPr>
+              <a:t>4/29/2013</a:t>
+            </a:fld>
+            <a:endParaRPr lang="en-US"/>
+          </a:p>
+        </p:txBody>
+      </p:sp>
+      <p:sp>
+        <p:nvSpPr>
+          <p:cNvPr id="12" name="Footer Placeholder 5"/>
+          <p:cNvSpPr>
+            <a:spLocks noGrp="1"/>
+          </p:cNvSpPr>
+          <p:nvPr>
+            <p:ph type="ftr" sz="quarter" idx="11"/>
+          </p:nvPr>
+        </p:nvSpPr>
+        <p:spPr/>
+        <p:txBody>
+          <a:bodyPr/>
+          <a:lstStyle>
+            <a:lvl1pPr>
+              <a:defRPr>
+                <a:solidFill>
+                  <a:schemeClr val="tx1"/>
+                </a:solidFill>
+              </a:defRPr>
+            </a:lvl1pPr>
+          </a:lstStyle>
+          <a:p>
+            <a:pPr>
+              <a:defRPr/>
+            </a:pPr>
+            <a:endParaRPr lang="en-US"/>
+          </a:p>
+        </p:txBody>
+      </p:sp>
+      <p:sp>
+        <p:nvSpPr>
+          <p:cNvPr id="13" name="Slide Number Placeholder 6"/>
+          <p:cNvSpPr>
+            <a:spLocks noGrp="1"/>
+          </p:cNvSpPr>
+          <p:nvPr>
+            <p:ph type="sldNum" sz="quarter" idx="12"/>
+          </p:nvPr>
+        </p:nvSpPr>
+        <p:spPr/>
+        <p:txBody>
+          <a:bodyPr/>
+          <a:lstStyle>
+            <a:lvl1pPr>
+              <a:defRPr/>
+            </a:lvl1pPr>
+          </a:lstStyle>
+          <a:p>
+            <a:fld id="{93895E51-ED1E-4CF1-AD87-A964F3E1795D}" type="slidenum">
+              <a:rPr lang="en-US"/>
+              <a:pPr/>
+              <a:t>‹#›</a:t>
+            </a:fld>
+            <a:endParaRPr lang="en-US"/>
           </a:p>
         </p:txBody>
       </p:sp>
     </p:spTree>
+    <p:extLst>
+      <p:ext uri="{BB962C8B-B14F-4D97-AF65-F5344CB8AC3E}">
+        <p14:creationId xmlns:p14="http://schemas.microsoft.com/office/powerpoint/2010/main" val="654669295"/>
+      </p:ext>
+    </p:extLst>
   </p:cSld>
   <p:clrMapOvr>
     <a:overrideClrMapping bg1="dk1" tx1="lt1" bg2="dk2" tx2="lt2" accent1="accent1" accent2="accent2" accent3="accent3" accent4="accent4" accent5="accent5" accent6="accent6" hlink="hlink" folHlink="folHlink"/>
@@ -3632,8 +3994,8 @@
         </p:nvSpPr>
         <p:spPr bwMode="auto">
           <a:xfrm>
-            <a:off x="499273" y="5944936"/>
-            <a:ext cx="4940624" cy="921076"/>
+            <a:off x="500063" y="5945188"/>
+            <a:ext cx="4940300" cy="920750"/>
           </a:xfrm>
           <a:custGeom>
             <a:avLst>
@@ -3697,16 +4059,28 @@
           <a:effectLst/>
         </p:spPr>
         <p:txBody>
-          <a:bodyPr vert="horz" wrap="square" lIns="91440" tIns="45720" rIns="91440" bIns="45720" anchor="t" compatLnSpc="1"/>
+          <a:bodyPr/>
           <a:lstStyle/>
           <a:p>
-            <a:endParaRPr kumimoji="0" lang="en-US"/>
-          </a:p>
-        </p:txBody>
-      </p:sp>
-      <p:sp>
-        <p:nvSpPr>
-          <p:cNvPr id="12" name="Freeform 11"/>
+            <a:pPr eaLnBrk="1" fontAlgn="auto" hangingPunct="1">
+              <a:spcBef>
+                <a:spcPts val="0"/>
+              </a:spcBef>
+              <a:spcAft>
+                <a:spcPts val="0"/>
+              </a:spcAft>
+              <a:defRPr/>
+            </a:pPr>
+            <a:endParaRPr lang="en-US">
+              <a:latin typeface="+mn-lt"/>
+              <a:cs typeface="+mn-cs"/>
+            </a:endParaRPr>
+          </a:p>
+        </p:txBody>
+      </p:sp>
+      <p:sp>
+        <p:nvSpPr>
+          <p:cNvPr id="1027" name="Freeform 11"/>
           <p:cNvSpPr>
             <a:spLocks/>
           </p:cNvSpPr>
@@ -3714,37 +4088,45 @@
         </p:nvSpPr>
         <p:spPr bwMode="auto">
           <a:xfrm>
-            <a:off x="485717" y="5939011"/>
-            <a:ext cx="3690451" cy="933450"/>
+            <a:off x="485775" y="5938838"/>
+            <a:ext cx="3690938" cy="933450"/>
           </a:xfrm>
           <a:custGeom>
-            <a:avLst>
-              <a:gd name="A1" fmla="val 0"/>
-              <a:gd name="A2" fmla="val 0"/>
-              <a:gd name="A3" fmla="val 0"/>
-              <a:gd name="A4" fmla="val 0"/>
-              <a:gd name="A5" fmla="val 0"/>
-              <a:gd name="A6" fmla="val 0"/>
-              <a:gd name="A7" fmla="val 0"/>
-              <a:gd name="A8" fmla="val 0"/>
-            </a:avLst>
-            <a:gdLst/>
+            <a:avLst/>
+            <a:gdLst>
+              <a:gd name="T0" fmla="*/ 0 w 5591"/>
+              <a:gd name="T1" fmla="*/ 0 h 588"/>
+              <a:gd name="T2" fmla="*/ 5760 w 5591"/>
+              <a:gd name="T3" fmla="*/ 0 h 588"/>
+              <a:gd name="T4" fmla="*/ 5760 w 5591"/>
+              <a:gd name="T5" fmla="*/ 528 h 588"/>
+              <a:gd name="T6" fmla="*/ 48 w 5591"/>
+              <a:gd name="T7" fmla="*/ 0 h 588"/>
+              <a:gd name="T8" fmla="*/ 0 60000 65536"/>
+              <a:gd name="T9" fmla="*/ 0 60000 65536"/>
+              <a:gd name="T10" fmla="*/ 0 60000 65536"/>
+              <a:gd name="T11" fmla="*/ 0 60000 65536"/>
+              <a:gd name="T12" fmla="*/ 0 w 5591"/>
+              <a:gd name="T13" fmla="*/ 0 h 588"/>
+              <a:gd name="T14" fmla="*/ 5591 w 5591"/>
+              <a:gd name="T15" fmla="*/ 588 h 588"/>
+            </a:gdLst>
             <a:ahLst/>
             <a:cxnLst>
-              <a:cxn ang="0">
-                <a:pos x="0" y="0"/>
+              <a:cxn ang="T8">
+                <a:pos x="T0" y="T1"/>
               </a:cxn>
-              <a:cxn ang="0">
-                <a:pos x="5760" y="0"/>
+              <a:cxn ang="T9">
+                <a:pos x="T2" y="T3"/>
               </a:cxn>
-              <a:cxn ang="0">
-                <a:pos x="5760" y="528"/>
+              <a:cxn ang="T10">
+                <a:pos x="T4" y="T5"/>
               </a:cxn>
-              <a:cxn ang="0">
-                <a:pos x="48" y="0"/>
+              <a:cxn ang="T11">
+                <a:pos x="T6" y="T7"/>
               </a:cxn>
             </a:cxnLst>
-            <a:rect l="0" t="0" r="0" b="0"/>
+            <a:rect l="T12" t="T13" r="T14" b="T15"/>
             <a:pathLst>
               <a:path w="5591" h="588">
                 <a:moveTo>
@@ -3763,24 +4145,30 @@
             </a:pathLst>
           </a:custGeom>
           <a:solidFill>
-            <a:srgbClr val="000000">
-              <a:alpha val="100000"/>
-            </a:srgbClr>
+            <a:srgbClr val="000000"/>
           </a:solidFill>
-          <a:ln w="9525" cap="flat" cmpd="sng" algn="ctr">
+          <a:ln>
             <a:noFill/>
-            <a:prstDash val="solid"/>
-            <a:round/>
-            <a:headEnd type="none" w="med" len="med"/>
-            <a:tailEnd type="none" w="med" len="med"/>
           </a:ln>
-          <a:effectLst/>
+          <a:extLst>
+            <a:ext uri="{91240B29-F687-4F45-9708-019B960494DF}">
+              <a14:hiddenLine xmlns:a14="http://schemas.microsoft.com/office/drawing/2010/main" w="9525" cap="flat" cmpd="sng" algn="ctr">
+                <a:solidFill>
+                  <a:srgbClr val="000000"/>
+                </a:solidFill>
+                <a:prstDash val="solid"/>
+                <a:round/>
+                <a:headEnd type="none" w="med" len="med"/>
+                <a:tailEnd type="none" w="med" len="med"/>
+              </a14:hiddenLine>
+            </a:ext>
+          </a:extLst>
         </p:spPr>
         <p:txBody>
-          <a:bodyPr vert="horz" wrap="square" lIns="91440" tIns="45720" rIns="91440" bIns="45720" anchor="t" compatLnSpc="1"/>
+          <a:bodyPr/>
           <a:lstStyle/>
           <a:p>
-            <a:endParaRPr kumimoji="0" lang="en-US"/>
+            <a:endParaRPr lang="en-US"/>
           </a:p>
         </p:txBody>
       </p:sp>
@@ -3885,11 +4273,19 @@
           </a:fontRef>
         </p:style>
         <p:txBody>
-          <a:bodyPr vert="horz" wrap="square" lIns="91440" tIns="45720" rIns="91440" bIns="45720" anchor="ctr" compatLnSpc="1"/>
+          <a:bodyPr anchor="ctr"/>
           <a:lstStyle/>
           <a:p>
-            <a:pPr algn="ctr" eaLnBrk="1" latinLnBrk="0" hangingPunct="1"/>
-            <a:endParaRPr kumimoji="0" lang="en-US"/>
+            <a:pPr algn="ctr" eaLnBrk="1" fontAlgn="auto" hangingPunct="1">
+              <a:spcBef>
+                <a:spcPts val="0"/>
+              </a:spcBef>
+              <a:spcAft>
+                <a:spcPts val="0"/>
+              </a:spcAft>
+              <a:defRPr/>
+            </a:pPr>
+            <a:endParaRPr lang="en-US"/>
           </a:p>
         </p:txBody>
       </p:sp>
@@ -3979,89 +4375,166 @@
           <a:lstStyle/>
           <a:p>
             <a:r>
-              <a:rPr kumimoji="0" lang="en-US" smtClean="0"/>
+              <a:rPr lang="en-US" smtClean="0"/>
               <a:t>Click to edit Master title style</a:t>
             </a:r>
-            <a:endParaRPr kumimoji="0" lang="en-US"/>
-          </a:p>
-        </p:txBody>
-      </p:sp>
-      <p:sp>
-        <p:nvSpPr>
-          <p:cNvPr id="30" name="Text Placeholder 29"/>
+            <a:endParaRPr lang="en-US"/>
+          </a:p>
+        </p:txBody>
+      </p:sp>
+      <p:sp>
+        <p:nvSpPr>
+          <p:cNvPr id="1033" name="Text Placeholder 29"/>
           <p:cNvSpPr>
             <a:spLocks noGrp="1"/>
           </p:cNvSpPr>
           <p:nvPr>
             <p:ph type="body" idx="1"/>
+          </p:nvPr>
+        </p:nvSpPr>
+        <p:spPr bwMode="auto">
+          <a:xfrm>
+            <a:off x="457200" y="1481138"/>
+            <a:ext cx="8229600" cy="4525962"/>
+          </a:xfrm>
+          <a:prstGeom prst="rect">
+            <a:avLst/>
+          </a:prstGeom>
+          <a:noFill/>
+          <a:ln>
+            <a:noFill/>
+          </a:ln>
+          <a:extLst>
+            <a:ext uri="{909E8E84-426E-40DD-AFC4-6F175D3DCCD1}">
+              <a14:hiddenFill xmlns:a14="http://schemas.microsoft.com/office/drawing/2010/main">
+                <a:solidFill>
+                  <a:srgbClr val="FFFFFF"/>
+                </a:solidFill>
+              </a14:hiddenFill>
+            </a:ext>
+            <a:ext uri="{91240B29-F687-4F45-9708-019B960494DF}">
+              <a14:hiddenLine xmlns:a14="http://schemas.microsoft.com/office/drawing/2010/main" w="9525">
+                <a:solidFill>
+                  <a:srgbClr val="000000"/>
+                </a:solidFill>
+                <a:miter lim="800000"/>
+                <a:headEnd/>
+                <a:tailEnd/>
+              </a14:hiddenLine>
+            </a:ext>
+          </a:extLst>
+        </p:spPr>
+        <p:txBody>
+          <a:bodyPr vert="horz" wrap="square" lIns="91440" tIns="45720" rIns="91440" bIns="45720" numCol="1" anchor="t" anchorCtr="0" compatLnSpc="1">
+            <a:prstTxWarp prst="textNoShape">
+              <a:avLst/>
+            </a:prstTxWarp>
+          </a:bodyPr>
+          <a:lstStyle/>
+          <a:p>
+            <a:pPr lvl="0"/>
+            <a:r>
+              <a:rPr lang="en-US" smtClean="0"/>
+              <a:t>Click to edit Master text styles</a:t>
+            </a:r>
+          </a:p>
+          <a:p>
+            <a:pPr lvl="1"/>
+            <a:r>
+              <a:rPr lang="en-US" smtClean="0"/>
+              <a:t>Second level</a:t>
+            </a:r>
+          </a:p>
+          <a:p>
+            <a:pPr lvl="2"/>
+            <a:r>
+              <a:rPr lang="en-US" smtClean="0"/>
+              <a:t>Third level</a:t>
+            </a:r>
+          </a:p>
+          <a:p>
+            <a:pPr lvl="3"/>
+            <a:r>
+              <a:rPr lang="en-US" smtClean="0"/>
+              <a:t>Fourth level</a:t>
+            </a:r>
+          </a:p>
+          <a:p>
+            <a:pPr lvl="4"/>
+            <a:r>
+              <a:rPr lang="en-US" smtClean="0"/>
+              <a:t>Fifth level</a:t>
+            </a:r>
+          </a:p>
+        </p:txBody>
+      </p:sp>
+      <p:sp>
+        <p:nvSpPr>
+          <p:cNvPr id="10" name="Date Placeholder 9"/>
+          <p:cNvSpPr>
+            <a:spLocks noGrp="1"/>
+          </p:cNvSpPr>
+          <p:nvPr>
+            <p:ph type="dt" sz="half" idx="2"/>
           </p:nvPr>
         </p:nvSpPr>
         <p:spPr>
           <a:xfrm>
-            <a:off x="457200" y="1481328"/>
-            <a:ext cx="8229600" cy="4525963"/>
+            <a:off x="6727825" y="6408738"/>
+            <a:ext cx="1919288" cy="365125"/>
           </a:xfrm>
           <a:prstGeom prst="rect">
             <a:avLst/>
           </a:prstGeom>
         </p:spPr>
         <p:txBody>
-          <a:bodyPr vert="horz">
-            <a:normAutofit/>
-          </a:bodyPr>
-          <a:lstStyle/>
-          <a:p>
-            <a:pPr lvl="0" eaLnBrk="1" latinLnBrk="0" hangingPunct="1"/>
-            <a:r>
-              <a:rPr kumimoji="0" lang="en-US" smtClean="0"/>
-              <a:t>Click to edit Master text styles</a:t>
-            </a:r>
-          </a:p>
-          <a:p>
-            <a:pPr lvl="1" eaLnBrk="1" latinLnBrk="0" hangingPunct="1"/>
-            <a:r>
-              <a:rPr kumimoji="0" lang="en-US" smtClean="0"/>
-              <a:t>Second level</a:t>
-            </a:r>
-          </a:p>
-          <a:p>
-            <a:pPr lvl="2" eaLnBrk="1" latinLnBrk="0" hangingPunct="1"/>
-            <a:r>
-              <a:rPr kumimoji="0" lang="en-US" smtClean="0"/>
-              <a:t>Third level</a:t>
-            </a:r>
-          </a:p>
-          <a:p>
-            <a:pPr lvl="3" eaLnBrk="1" latinLnBrk="0" hangingPunct="1"/>
-            <a:r>
-              <a:rPr kumimoji="0" lang="en-US" smtClean="0"/>
-              <a:t>Fourth level</a:t>
-            </a:r>
-          </a:p>
-          <a:p>
-            <a:pPr lvl="4" eaLnBrk="1" latinLnBrk="0" hangingPunct="1"/>
-            <a:r>
-              <a:rPr kumimoji="0" lang="en-US" smtClean="0"/>
-              <a:t>Fifth level</a:t>
-            </a:r>
-            <a:endParaRPr kumimoji="0" lang="en-US"/>
-          </a:p>
-        </p:txBody>
-      </p:sp>
-      <p:sp>
-        <p:nvSpPr>
-          <p:cNvPr id="10" name="Date Placeholder 9"/>
-          <p:cNvSpPr>
-            <a:spLocks noGrp="1"/>
-          </p:cNvSpPr>
-          <p:nvPr>
-            <p:ph type="dt" sz="half" idx="2"/>
+          <a:bodyPr vert="horz" anchor="b"/>
+          <a:lstStyle>
+            <a:lvl1pPr algn="l" eaLnBrk="1" fontAlgn="auto" latinLnBrk="0" hangingPunct="1">
+              <a:spcBef>
+                <a:spcPts val="0"/>
+              </a:spcBef>
+              <a:spcAft>
+                <a:spcPts val="0"/>
+              </a:spcAft>
+              <a:defRPr kumimoji="0" sz="1000">
+                <a:solidFill>
+                  <a:schemeClr val="tx1"/>
+                </a:solidFill>
+                <a:latin typeface="+mn-lt"/>
+                <a:cs typeface="+mn-cs"/>
+              </a:defRPr>
+            </a:lvl1pPr>
+          </a:lstStyle>
+          <a:p>
+            <a:pPr>
+              <a:defRPr/>
+            </a:pPr>
+            <a:fld id="{05E469DB-33D5-4A07-A4C3-5821EEC04B01}" type="datetimeFigureOut">
+              <a:rPr lang="en-US"/>
+              <a:pPr>
+                <a:defRPr/>
+              </a:pPr>
+              <a:t>4/29/2013</a:t>
+            </a:fld>
+            <a:endParaRPr lang="en-US"/>
+          </a:p>
+        </p:txBody>
+      </p:sp>
+      <p:sp>
+        <p:nvSpPr>
+          <p:cNvPr id="22" name="Footer Placeholder 21"/>
+          <p:cNvSpPr>
+            <a:spLocks noGrp="1"/>
+          </p:cNvSpPr>
+          <p:nvPr>
+            <p:ph type="ftr" sz="quarter" idx="3"/>
           </p:nvPr>
         </p:nvSpPr>
         <p:spPr>
           <a:xfrm>
-            <a:off x="6727032" y="6407944"/>
-            <a:ext cx="1920240" cy="365760"/>
+            <a:off x="4379913" y="6408738"/>
+            <a:ext cx="2351087" cy="365125"/>
           </a:xfrm>
           <a:prstGeom prst="rect">
             <a:avLst/>
@@ -4070,92 +4543,65 @@
         <p:txBody>
           <a:bodyPr vert="horz" anchor="b"/>
           <a:lstStyle>
-            <a:lvl1pPr algn="l" eaLnBrk="1" latinLnBrk="0" hangingPunct="1">
+            <a:lvl1pPr algn="r" eaLnBrk="1" fontAlgn="auto" latinLnBrk="0" hangingPunct="1">
+              <a:spcBef>
+                <a:spcPts val="0"/>
+              </a:spcBef>
+              <a:spcAft>
+                <a:spcPts val="0"/>
+              </a:spcAft>
               <a:defRPr kumimoji="0" sz="1000">
                 <a:solidFill>
                   <a:schemeClr val="tx1"/>
                 </a:solidFill>
+                <a:latin typeface="+mn-lt"/>
+                <a:cs typeface="+mn-cs"/>
               </a:defRPr>
             </a:lvl1pPr>
           </a:lstStyle>
           <a:p>
-            <a:fld id="{578D3EDA-CDD4-4B8C-8889-A1E60E6090FC}" type="datetimeFigureOut">
-              <a:rPr lang="en-US" smtClean="0"/>
-              <a:pPr/>
-              <a:t>4/29/2013</a:t>
-            </a:fld>
-            <a:endParaRPr lang="en-US"/>
-          </a:p>
-        </p:txBody>
-      </p:sp>
-      <p:sp>
-        <p:nvSpPr>
-          <p:cNvPr id="22" name="Footer Placeholder 21"/>
-          <p:cNvSpPr>
-            <a:spLocks noGrp="1"/>
-          </p:cNvSpPr>
-          <p:nvPr>
-            <p:ph type="ftr" sz="quarter" idx="3"/>
+            <a:pPr>
+              <a:defRPr/>
+            </a:pPr>
+            <a:endParaRPr lang="en-US"/>
+          </a:p>
+        </p:txBody>
+      </p:sp>
+      <p:sp>
+        <p:nvSpPr>
+          <p:cNvPr id="18" name="Slide Number Placeholder 17"/>
+          <p:cNvSpPr>
+            <a:spLocks noGrp="1"/>
+          </p:cNvSpPr>
+          <p:nvPr>
+            <p:ph type="sldNum" sz="quarter" idx="4"/>
           </p:nvPr>
         </p:nvSpPr>
         <p:spPr>
           <a:xfrm>
-            <a:off x="4380072" y="6407944"/>
-            <a:ext cx="2350681" cy="365125"/>
+            <a:off x="8647113" y="6408738"/>
+            <a:ext cx="366712" cy="365125"/>
           </a:xfrm>
           <a:prstGeom prst="rect">
             <a:avLst/>
           </a:prstGeom>
         </p:spPr>
         <p:txBody>
-          <a:bodyPr vert="horz" anchor="b"/>
+          <a:bodyPr vert="horz" wrap="square" lIns="91440" tIns="45720" rIns="91440" bIns="45720" numCol="1" anchor="b" anchorCtr="0" compatLnSpc="1">
+            <a:prstTxWarp prst="textNoShape">
+              <a:avLst/>
+            </a:prstTxWarp>
+          </a:bodyPr>
           <a:lstStyle>
-            <a:lvl1pPr algn="r" eaLnBrk="1" latinLnBrk="0" hangingPunct="1">
-              <a:defRPr kumimoji="0" sz="1000">
-                <a:solidFill>
-                  <a:schemeClr val="tx1"/>
-                </a:solidFill>
+            <a:lvl1pPr algn="r" eaLnBrk="1" hangingPunct="1">
+              <a:defRPr sz="1000">
+                <a:latin typeface="Lucida Sans Unicode" pitchFamily="34" charset="0"/>
               </a:defRPr>
             </a:lvl1pPr>
           </a:lstStyle>
           <a:p>
-            <a:endParaRPr lang="en-US"/>
-          </a:p>
-        </p:txBody>
-      </p:sp>
-      <p:sp>
-        <p:nvSpPr>
-          <p:cNvPr id="18" name="Slide Number Placeholder 17"/>
-          <p:cNvSpPr>
-            <a:spLocks noGrp="1"/>
-          </p:cNvSpPr>
-          <p:nvPr>
-            <p:ph type="sldNum" sz="quarter" idx="4"/>
-          </p:nvPr>
-        </p:nvSpPr>
-        <p:spPr>
-          <a:xfrm>
-            <a:off x="8647272" y="6407944"/>
-            <a:ext cx="365760" cy="365125"/>
-          </a:xfrm>
-          <a:prstGeom prst="rect">
-            <a:avLst/>
-          </a:prstGeom>
-        </p:spPr>
-        <p:txBody>
-          <a:bodyPr vert="horz" anchor="b"/>
-          <a:lstStyle>
-            <a:lvl1pPr algn="r" eaLnBrk="1" latinLnBrk="0" hangingPunct="1">
-              <a:defRPr kumimoji="0" sz="1000" b="0">
-                <a:solidFill>
-                  <a:schemeClr val="tx1"/>
-                </a:solidFill>
-              </a:defRPr>
-            </a:lvl1pPr>
-          </a:lstStyle>
-          <a:p>
-            <a:fld id="{C766FA25-E0A3-4D46-9455-78B8C0E697F6}" type="slidenum">
-              <a:rPr lang="en-US" smtClean="0"/>
+            <a:fld id="{53807FAE-0218-4C56-9D2B-70AAE6532E6C}" type="slidenum">
+              <a:rPr lang="en-US"/>
               <a:pPr/>
               <a:t>‹#›</a:t>
             </a:fld>
@@ -4167,26 +4613,28 @@
   </p:cSld>
   <p:clrMap bg1="lt1" tx1="dk1" bg2="lt2" tx2="dk2" accent1="accent1" accent2="accent2" accent3="accent3" accent4="accent4" accent5="accent5" accent6="accent6" hlink="hlink" folHlink="folHlink"/>
   <p:sldLayoutIdLst>
-    <p:sldLayoutId id="2147483661" r:id="rId1"/>
-    <p:sldLayoutId id="2147483662" r:id="rId2"/>
-    <p:sldLayoutId id="2147483663" r:id="rId3"/>
-    <p:sldLayoutId id="2147483664" r:id="rId4"/>
-    <p:sldLayoutId id="2147483665" r:id="rId5"/>
-    <p:sldLayoutId id="2147483666" r:id="rId6"/>
-    <p:sldLayoutId id="2147483667" r:id="rId7"/>
-    <p:sldLayoutId id="2147483668" r:id="rId8"/>
-    <p:sldLayoutId id="2147483669" r:id="rId9"/>
-    <p:sldLayoutId id="2147483670" r:id="rId10"/>
-    <p:sldLayoutId id="2147483671" r:id="rId11"/>
+    <p:sldLayoutId id="2147483690" r:id="rId1"/>
+    <p:sldLayoutId id="2147483686" r:id="rId2"/>
+    <p:sldLayoutId id="2147483691" r:id="rId3"/>
+    <p:sldLayoutId id="2147483692" r:id="rId4"/>
+    <p:sldLayoutId id="2147483693" r:id="rId5"/>
+    <p:sldLayoutId id="2147483694" r:id="rId6"/>
+    <p:sldLayoutId id="2147483687" r:id="rId7"/>
+    <p:sldLayoutId id="2147483695" r:id="rId8"/>
+    <p:sldLayoutId id="2147483696" r:id="rId9"/>
+    <p:sldLayoutId id="2147483688" r:id="rId10"/>
+    <p:sldLayoutId id="2147483689" r:id="rId11"/>
   </p:sldLayoutIdLst>
   <p:txStyles>
     <p:titleStyle>
-      <a:lvl1pPr algn="l" rtl="0" eaLnBrk="1" latinLnBrk="0" hangingPunct="1">
+      <a:lvl1pPr algn="l" rtl="0" eaLnBrk="0" fontAlgn="base" hangingPunct="0">
         <a:spcBef>
           <a:spcPct val="0"/>
         </a:spcBef>
-        <a:buNone/>
-        <a:defRPr kumimoji="0" sz="4100" b="1" kern="1200">
+        <a:spcAft>
+          <a:spcPct val="0"/>
+        </a:spcAft>
+        <a:defRPr sz="4100" b="1" kern="1200">
           <a:solidFill>
             <a:schemeClr val="tx2"/>
           </a:solidFill>
@@ -4202,22 +4650,134 @@
           <a:cs typeface="+mj-cs"/>
         </a:defRPr>
       </a:lvl1pPr>
+      <a:lvl2pPr algn="l" rtl="0" eaLnBrk="0" fontAlgn="base" hangingPunct="0">
+        <a:spcBef>
+          <a:spcPct val="0"/>
+        </a:spcBef>
+        <a:spcAft>
+          <a:spcPct val="0"/>
+        </a:spcAft>
+        <a:defRPr sz="4100" b="1">
+          <a:solidFill>
+            <a:schemeClr val="tx2"/>
+          </a:solidFill>
+          <a:latin typeface="Lucida Sans Unicode" panose="020B0602030504020204" pitchFamily="34" charset="0"/>
+        </a:defRPr>
+      </a:lvl2pPr>
+      <a:lvl3pPr algn="l" rtl="0" eaLnBrk="0" fontAlgn="base" hangingPunct="0">
+        <a:spcBef>
+          <a:spcPct val="0"/>
+        </a:spcBef>
+        <a:spcAft>
+          <a:spcPct val="0"/>
+        </a:spcAft>
+        <a:defRPr sz="4100" b="1">
+          <a:solidFill>
+            <a:schemeClr val="tx2"/>
+          </a:solidFill>
+          <a:latin typeface="Lucida Sans Unicode" panose="020B0602030504020204" pitchFamily="34" charset="0"/>
+        </a:defRPr>
+      </a:lvl3pPr>
+      <a:lvl4pPr algn="l" rtl="0" eaLnBrk="0" fontAlgn="base" hangingPunct="0">
+        <a:spcBef>
+          <a:spcPct val="0"/>
+        </a:spcBef>
+        <a:spcAft>
+          <a:spcPct val="0"/>
+        </a:spcAft>
+        <a:defRPr sz="4100" b="1">
+          <a:solidFill>
+            <a:schemeClr val="tx2"/>
+          </a:solidFill>
+          <a:latin typeface="Lucida Sans Unicode" panose="020B0602030504020204" pitchFamily="34" charset="0"/>
+        </a:defRPr>
+      </a:lvl4pPr>
+      <a:lvl5pPr algn="l" rtl="0" eaLnBrk="0" fontAlgn="base" hangingPunct="0">
+        <a:spcBef>
+          <a:spcPct val="0"/>
+        </a:spcBef>
+        <a:spcAft>
+          <a:spcPct val="0"/>
+        </a:spcAft>
+        <a:defRPr sz="4100" b="1">
+          <a:solidFill>
+            <a:schemeClr val="tx2"/>
+          </a:solidFill>
+          <a:latin typeface="Lucida Sans Unicode" panose="020B0602030504020204" pitchFamily="34" charset="0"/>
+        </a:defRPr>
+      </a:lvl5pPr>
+      <a:lvl6pPr marL="457200" algn="l" rtl="0" fontAlgn="base">
+        <a:spcBef>
+          <a:spcPct val="0"/>
+        </a:spcBef>
+        <a:spcAft>
+          <a:spcPct val="0"/>
+        </a:spcAft>
+        <a:defRPr sz="4100" b="1">
+          <a:solidFill>
+            <a:schemeClr val="tx2"/>
+          </a:solidFill>
+          <a:latin typeface="Lucida Sans Unicode" panose="020B0602030504020204" pitchFamily="34" charset="0"/>
+        </a:defRPr>
+      </a:lvl6pPr>
+      <a:lvl7pPr marL="914400" algn="l" rtl="0" fontAlgn="base">
+        <a:spcBef>
+          <a:spcPct val="0"/>
+        </a:spcBef>
+        <a:spcAft>
+          <a:spcPct val="0"/>
+        </a:spcAft>
+        <a:defRPr sz="4100" b="1">
+          <a:solidFill>
+            <a:schemeClr val="tx2"/>
+          </a:solidFill>
+          <a:latin typeface="Lucida Sans Unicode" panose="020B0602030504020204" pitchFamily="34" charset="0"/>
+        </a:defRPr>
+      </a:lvl7pPr>
+      <a:lvl8pPr marL="1371600" algn="l" rtl="0" fontAlgn="base">
+        <a:spcBef>
+          <a:spcPct val="0"/>
+        </a:spcBef>
+        <a:spcAft>
+          <a:spcPct val="0"/>
+        </a:spcAft>
+        <a:defRPr sz="4100" b="1">
+          <a:solidFill>
+            <a:schemeClr val="tx2"/>
+          </a:solidFill>
+          <a:latin typeface="Lucida Sans Unicode" panose="020B0602030504020204" pitchFamily="34" charset="0"/>
+        </a:defRPr>
+      </a:lvl8pPr>
+      <a:lvl9pPr marL="1828800" algn="l" rtl="0" fontAlgn="base">
+        <a:spcBef>
+          <a:spcPct val="0"/>
+        </a:spcBef>
+        <a:spcAft>
+          <a:spcPct val="0"/>
+        </a:spcAft>
+        <a:defRPr sz="4100" b="1">
+          <a:solidFill>
+            <a:schemeClr val="tx2"/>
+          </a:solidFill>
+          <a:latin typeface="Lucida Sans Unicode" panose="020B0602030504020204" pitchFamily="34" charset="0"/>
+        </a:defRPr>
+      </a:lvl9pPr>
     </p:titleStyle>
     <p:bodyStyle>
-      <a:lvl1pPr marL="365760" indent="-256032" algn="l" rtl="0" eaLnBrk="1" latinLnBrk="0" hangingPunct="1">
+      <a:lvl1pPr marL="365125" indent="-255588" algn="l" rtl="0" eaLnBrk="0" fontAlgn="base" hangingPunct="0">
         <a:spcBef>
           <a:spcPts val="400"/>
         </a:spcBef>
         <a:spcAft>
-          <a:spcPts val="0"/>
+          <a:spcPct val="0"/>
         </a:spcAft>
         <a:buClr>
           <a:schemeClr val="accent1"/>
         </a:buClr>
         <a:buSzPct val="68000"/>
-        <a:buFont typeface="Wingdings 3"/>
+        <a:buFont typeface="Wingdings 3" pitchFamily="18" charset="2"/>
         <a:buChar char=""/>
-        <a:defRPr kumimoji="0" sz="2700" kern="1200">
+        <a:defRPr sz="2700" kern="1200">
           <a:solidFill>
             <a:schemeClr val="tx1"/>
           </a:solidFill>
@@ -4226,16 +4786,19 @@
           <a:cs typeface="+mn-cs"/>
         </a:defRPr>
       </a:lvl1pPr>
-      <a:lvl2pPr marL="621792" indent="-228600" algn="l" rtl="0" eaLnBrk="1" latinLnBrk="0" hangingPunct="1">
+      <a:lvl2pPr marL="620713" indent="-228600" algn="l" rtl="0" eaLnBrk="0" fontAlgn="base" hangingPunct="0">
         <a:spcBef>
-          <a:spcPts val="324"/>
+          <a:spcPts val="325"/>
         </a:spcBef>
+        <a:spcAft>
+          <a:spcPct val="0"/>
+        </a:spcAft>
         <a:buClr>
           <a:schemeClr val="accent1"/>
         </a:buClr>
-        <a:buFont typeface="Verdana"/>
+        <a:buFont typeface="Verdana" pitchFamily="34" charset="0"/>
         <a:buChar char="◦"/>
-        <a:defRPr kumimoji="0" sz="2300" kern="1200">
+        <a:defRPr sz="2300" kern="1200">
           <a:solidFill>
             <a:schemeClr val="tx1"/>
           </a:solidFill>
@@ -4244,17 +4807,20 @@
           <a:cs typeface="+mn-cs"/>
         </a:defRPr>
       </a:lvl2pPr>
-      <a:lvl3pPr marL="859536" indent="-228600" algn="l" rtl="0" eaLnBrk="1" latinLnBrk="0" hangingPunct="1">
+      <a:lvl3pPr marL="858838" indent="-228600" algn="l" rtl="0" eaLnBrk="0" fontAlgn="base" hangingPunct="0">
         <a:spcBef>
           <a:spcPts val="350"/>
         </a:spcBef>
+        <a:spcAft>
+          <a:spcPct val="0"/>
+        </a:spcAft>
         <a:buClr>
           <a:schemeClr val="accent2"/>
         </a:buClr>
         <a:buSzPct val="100000"/>
-        <a:buFont typeface="Wingdings 2"/>
+        <a:buFont typeface="Wingdings 2" pitchFamily="18" charset="2"/>
         <a:buChar char=""/>
-        <a:defRPr kumimoji="0" sz="2100" kern="1200">
+        <a:defRPr sz="2100" kern="1200">
           <a:solidFill>
             <a:schemeClr val="tx1"/>
           </a:solidFill>
@@ -4263,16 +4829,19 @@
           <a:cs typeface="+mn-cs"/>
         </a:defRPr>
       </a:lvl3pPr>
-      <a:lvl4pPr marL="1143000" indent="-228600" algn="l" rtl="0" eaLnBrk="1" latinLnBrk="0" hangingPunct="1">
+      <a:lvl4pPr marL="1143000" indent="-228600" algn="l" rtl="0" eaLnBrk="0" fontAlgn="base" hangingPunct="0">
         <a:spcBef>
           <a:spcPts val="350"/>
         </a:spcBef>
+        <a:spcAft>
+          <a:spcPct val="0"/>
+        </a:spcAft>
         <a:buClr>
           <a:schemeClr val="accent2"/>
         </a:buClr>
-        <a:buFont typeface="Wingdings 2"/>
+        <a:buFont typeface="Wingdings 2" pitchFamily="18" charset="2"/>
         <a:buChar char=""/>
-        <a:defRPr kumimoji="0" sz="1900" kern="1200">
+        <a:defRPr sz="1900" kern="1200">
           <a:solidFill>
             <a:schemeClr val="tx1"/>
           </a:solidFill>
@@ -4281,16 +4850,19 @@
           <a:cs typeface="+mn-cs"/>
         </a:defRPr>
       </a:lvl4pPr>
-      <a:lvl5pPr marL="1371600" indent="-228600" algn="l" rtl="0" eaLnBrk="1" latinLnBrk="0" hangingPunct="1">
+      <a:lvl5pPr marL="1371600" indent="-228600" algn="l" rtl="0" eaLnBrk="0" fontAlgn="base" hangingPunct="0">
         <a:spcBef>
           <a:spcPts val="350"/>
         </a:spcBef>
+        <a:spcAft>
+          <a:spcPct val="0"/>
+        </a:spcAft>
         <a:buClr>
           <a:schemeClr val="accent2"/>
         </a:buClr>
-        <a:buFont typeface="Wingdings 2"/>
+        <a:buFont typeface="Wingdings 2" pitchFamily="18" charset="2"/>
         <a:buChar char=""/>
-        <a:defRPr kumimoji="0" sz="1800" kern="1200">
+        <a:defRPr kern="1200">
           <a:solidFill>
             <a:schemeClr val="tx1"/>
           </a:solidFill>
@@ -4502,6 +5074,12 @@
           </a:bodyPr>
           <a:lstStyle/>
           <a:p>
+            <a:pPr eaLnBrk="1" fontAlgn="auto" hangingPunct="1">
+              <a:spcAft>
+                <a:spcPts val="0"/>
+              </a:spcAft>
+              <a:defRPr/>
+            </a:pPr>
             <a:r>
               <a:rPr lang="en-US" sz="3600" dirty="0" err="1" smtClean="0"/>
               <a:t>Roboticorp</a:t>
@@ -4534,7 +5112,7 @@
       </p:sp>
       <p:sp>
         <p:nvSpPr>
-          <p:cNvPr id="3" name="Subtitle 2"/>
+          <p:cNvPr id="9219" name="Subtitle 2"/>
           <p:cNvSpPr>
             <a:spLocks noGrp="1"/>
           </p:cNvSpPr>
@@ -4544,320 +5122,263 @@
         </p:nvSpPr>
         <p:spPr>
           <a:xfrm>
-            <a:off x="6477000" y="3611607"/>
-            <a:ext cx="1981200" cy="1199704"/>
+            <a:off x="6477000" y="3611563"/>
+            <a:ext cx="1981200" cy="1200150"/>
           </a:xfrm>
         </p:spPr>
         <p:txBody>
-          <a:bodyPr>
-            <a:normAutofit fontScale="47500" lnSpcReduction="20000"/>
-          </a:bodyPr>
+          <a:bodyPr/>
           <a:lstStyle/>
           <a:p>
-            <a:r>
-              <a:rPr lang="en-US" b="1" dirty="0"/>
+            <a:pPr marR="0" eaLnBrk="1" hangingPunct="1">
+              <a:lnSpc>
+                <a:spcPct val="80000"/>
+              </a:lnSpc>
+            </a:pPr>
+            <a:r>
+              <a:rPr lang="en-US" sz="1300" b="1" smtClean="0"/>
               <a:t>Morgan, Laura</a:t>
             </a:r>
-            <a:endParaRPr lang="en-US" dirty="0"/>
-          </a:p>
-          <a:p>
-            <a:r>
-              <a:rPr lang="en-US" b="1" dirty="0" err="1"/>
-              <a:t>Miaw</a:t>
-            </a:r>
-            <a:r>
-              <a:rPr lang="en-US" b="1" dirty="0"/>
-              <a:t>, </a:t>
-            </a:r>
-            <a:r>
-              <a:rPr lang="en-US" b="1" dirty="0" err="1"/>
-              <a:t>Jireh</a:t>
-            </a:r>
-            <a:endParaRPr lang="en-US" dirty="0"/>
-          </a:p>
-          <a:p>
-            <a:r>
-              <a:rPr lang="en-US" b="1" dirty="0"/>
+            <a:endParaRPr lang="en-US" sz="1300" smtClean="0"/>
+          </a:p>
+          <a:p>
+            <a:pPr marR="0" eaLnBrk="1" hangingPunct="1">
+              <a:lnSpc>
+                <a:spcPct val="80000"/>
+              </a:lnSpc>
+            </a:pPr>
+            <a:r>
+              <a:rPr lang="en-US" sz="1300" b="1" smtClean="0"/>
+              <a:t>Miaw, Jireh</a:t>
+            </a:r>
+            <a:endParaRPr lang="en-US" sz="1300" smtClean="0"/>
+          </a:p>
+          <a:p>
+            <a:pPr marR="0" eaLnBrk="1" hangingPunct="1">
+              <a:lnSpc>
+                <a:spcPct val="80000"/>
+              </a:lnSpc>
+            </a:pPr>
+            <a:r>
+              <a:rPr lang="en-US" sz="1300" b="1" smtClean="0"/>
               <a:t>Hauser, Steven</a:t>
             </a:r>
-            <a:endParaRPr lang="en-US" dirty="0"/>
-          </a:p>
-          <a:p>
-            <a:r>
-              <a:rPr lang="en-US" b="1" dirty="0" err="1"/>
-              <a:t>Dworak</a:t>
-            </a:r>
-            <a:r>
-              <a:rPr lang="en-US" b="1" dirty="0"/>
-              <a:t>, Catherine</a:t>
-            </a:r>
-            <a:endParaRPr lang="en-US" dirty="0"/>
-          </a:p>
-          <a:p>
-            <a:r>
-              <a:rPr lang="en-US" b="1" dirty="0" err="1"/>
-              <a:t>Bertoglio</a:t>
-            </a:r>
-            <a:r>
-              <a:rPr lang="en-US" b="1" dirty="0"/>
-              <a:t>, David</a:t>
-            </a:r>
-            <a:endParaRPr lang="en-US" dirty="0"/>
-          </a:p>
-          <a:p>
-            <a:endParaRPr lang="en-US" dirty="0"/>
-          </a:p>
-        </p:txBody>
-      </p:sp>
-      <p:sp>
-        <p:nvSpPr>
-          <p:cNvPr id="4" name="Subtitle 2"/>
+            <a:endParaRPr lang="en-US" sz="1300" smtClean="0"/>
+          </a:p>
+          <a:p>
+            <a:pPr marR="0" eaLnBrk="1" hangingPunct="1">
+              <a:lnSpc>
+                <a:spcPct val="80000"/>
+              </a:lnSpc>
+            </a:pPr>
+            <a:r>
+              <a:rPr lang="en-US" sz="1300" b="1" smtClean="0"/>
+              <a:t>Dworak, Catherine</a:t>
+            </a:r>
+            <a:endParaRPr lang="en-US" sz="1300" smtClean="0"/>
+          </a:p>
+          <a:p>
+            <a:pPr marR="0" eaLnBrk="1" hangingPunct="1">
+              <a:lnSpc>
+                <a:spcPct val="80000"/>
+              </a:lnSpc>
+            </a:pPr>
+            <a:r>
+              <a:rPr lang="en-US" sz="1300" b="1" smtClean="0"/>
+              <a:t>Bertoglio, David</a:t>
+            </a:r>
+            <a:endParaRPr lang="en-US" sz="1300" smtClean="0"/>
+          </a:p>
+          <a:p>
+            <a:pPr marR="0" eaLnBrk="1" hangingPunct="1">
+              <a:lnSpc>
+                <a:spcPct val="80000"/>
+              </a:lnSpc>
+            </a:pPr>
+            <a:endParaRPr lang="en-US" sz="1300" smtClean="0"/>
+          </a:p>
+        </p:txBody>
+      </p:sp>
+      <p:sp>
+        <p:nvSpPr>
+          <p:cNvPr id="9220" name="Subtitle 2"/>
           <p:cNvSpPr txBox="1">
             <a:spLocks/>
           </p:cNvSpPr>
           <p:nvPr/>
         </p:nvSpPr>
-        <p:spPr>
+        <p:spPr bwMode="auto">
           <a:xfrm>
-            <a:off x="4861560" y="3611607"/>
-            <a:ext cx="1981200" cy="1199704"/>
+            <a:off x="4860925" y="3611563"/>
+            <a:ext cx="1981200" cy="1200150"/>
           </a:xfrm>
           <a:prstGeom prst="rect">
             <a:avLst/>
           </a:prstGeom>
+          <a:noFill/>
+          <a:ln>
+            <a:noFill/>
+          </a:ln>
+          <a:extLst>
+            <a:ext uri="{909E8E84-426E-40DD-AFC4-6F175D3DCCD1}">
+              <a14:hiddenFill xmlns:a14="http://schemas.microsoft.com/office/drawing/2010/main">
+                <a:solidFill>
+                  <a:srgbClr val="FFFFFF"/>
+                </a:solidFill>
+              </a14:hiddenFill>
+            </a:ext>
+            <a:ext uri="{91240B29-F687-4F45-9708-019B960494DF}">
+              <a14:hiddenLine xmlns:a14="http://schemas.microsoft.com/office/drawing/2010/main" w="9525">
+                <a:solidFill>
+                  <a:srgbClr val="000000"/>
+                </a:solidFill>
+                <a:miter lim="800000"/>
+                <a:headEnd/>
+                <a:tailEnd/>
+              </a14:hiddenLine>
+            </a:ext>
+          </a:extLst>
         </p:spPr>
         <p:txBody>
-          <a:bodyPr vert="horz" lIns="45720" rIns="45720">
-            <a:normAutofit/>
-          </a:bodyPr>
+          <a:bodyPr lIns="45720" rIns="45720"/>
           <a:lstStyle>
-            <a:lvl1pPr marL="0" marR="64008" indent="0" algn="r" rtl="0" eaLnBrk="1" latinLnBrk="0" hangingPunct="1">
+            <a:lvl1pPr>
+              <a:defRPr>
+                <a:solidFill>
+                  <a:schemeClr val="tx1"/>
+                </a:solidFill>
+                <a:latin typeface="Arial" charset="0"/>
+                <a:cs typeface="Arial" charset="0"/>
+              </a:defRPr>
+            </a:lvl1pPr>
+            <a:lvl2pPr marL="742950" indent="-285750">
+              <a:defRPr>
+                <a:solidFill>
+                  <a:schemeClr val="tx1"/>
+                </a:solidFill>
+                <a:latin typeface="Arial" charset="0"/>
+                <a:cs typeface="Arial" charset="0"/>
+              </a:defRPr>
+            </a:lvl2pPr>
+            <a:lvl3pPr marL="1143000" indent="-228600">
+              <a:defRPr>
+                <a:solidFill>
+                  <a:schemeClr val="tx1"/>
+                </a:solidFill>
+                <a:latin typeface="Arial" charset="0"/>
+                <a:cs typeface="Arial" charset="0"/>
+              </a:defRPr>
+            </a:lvl3pPr>
+            <a:lvl4pPr marL="1600200" indent="-228600">
+              <a:defRPr>
+                <a:solidFill>
+                  <a:schemeClr val="tx1"/>
+                </a:solidFill>
+                <a:latin typeface="Arial" charset="0"/>
+                <a:cs typeface="Arial" charset="0"/>
+              </a:defRPr>
+            </a:lvl4pPr>
+            <a:lvl5pPr marL="2057400" indent="-228600">
+              <a:defRPr>
+                <a:solidFill>
+                  <a:schemeClr val="tx1"/>
+                </a:solidFill>
+                <a:latin typeface="Arial" charset="0"/>
+                <a:cs typeface="Arial" charset="0"/>
+              </a:defRPr>
+            </a:lvl5pPr>
+            <a:lvl6pPr marL="2514600" indent="-228600" eaLnBrk="0" fontAlgn="base" hangingPunct="0">
+              <a:spcBef>
+                <a:spcPct val="0"/>
+              </a:spcBef>
+              <a:spcAft>
+                <a:spcPct val="0"/>
+              </a:spcAft>
+              <a:defRPr>
+                <a:solidFill>
+                  <a:schemeClr val="tx1"/>
+                </a:solidFill>
+                <a:latin typeface="Arial" charset="0"/>
+                <a:cs typeface="Arial" charset="0"/>
+              </a:defRPr>
+            </a:lvl6pPr>
+            <a:lvl7pPr marL="2971800" indent="-228600" eaLnBrk="0" fontAlgn="base" hangingPunct="0">
+              <a:spcBef>
+                <a:spcPct val="0"/>
+              </a:spcBef>
+              <a:spcAft>
+                <a:spcPct val="0"/>
+              </a:spcAft>
+              <a:defRPr>
+                <a:solidFill>
+                  <a:schemeClr val="tx1"/>
+                </a:solidFill>
+                <a:latin typeface="Arial" charset="0"/>
+                <a:cs typeface="Arial" charset="0"/>
+              </a:defRPr>
+            </a:lvl7pPr>
+            <a:lvl8pPr marL="3429000" indent="-228600" eaLnBrk="0" fontAlgn="base" hangingPunct="0">
+              <a:spcBef>
+                <a:spcPct val="0"/>
+              </a:spcBef>
+              <a:spcAft>
+                <a:spcPct val="0"/>
+              </a:spcAft>
+              <a:defRPr>
+                <a:solidFill>
+                  <a:schemeClr val="tx1"/>
+                </a:solidFill>
+                <a:latin typeface="Arial" charset="0"/>
+                <a:cs typeface="Arial" charset="0"/>
+              </a:defRPr>
+            </a:lvl8pPr>
+            <a:lvl9pPr marL="3886200" indent="-228600" eaLnBrk="0" fontAlgn="base" hangingPunct="0">
+              <a:spcBef>
+                <a:spcPct val="0"/>
+              </a:spcBef>
+              <a:spcAft>
+                <a:spcPct val="0"/>
+              </a:spcAft>
+              <a:defRPr>
+                <a:solidFill>
+                  <a:schemeClr val="tx1"/>
+                </a:solidFill>
+                <a:latin typeface="Arial" charset="0"/>
+                <a:cs typeface="Arial" charset="0"/>
+              </a:defRPr>
+            </a:lvl9pPr>
+          </a:lstStyle>
+          <a:p>
+            <a:pPr algn="r" eaLnBrk="1" hangingPunct="1">
               <a:spcBef>
                 <a:spcPts val="400"/>
               </a:spcBef>
-              <a:spcAft>
-                <a:spcPts val="0"/>
-              </a:spcAft>
               <a:buClr>
                 <a:schemeClr val="accent1"/>
               </a:buClr>
               <a:buSzPct val="68000"/>
-              <a:buFont typeface="Wingdings 3"/>
+              <a:buFont typeface="Wingdings 3" pitchFamily="18" charset="2"/>
               <a:buNone/>
-              <a:defRPr kumimoji="0" sz="2700" kern="1200">
+            </a:pPr>
+            <a:r>
+              <a:rPr lang="en-US" sz="1300" b="1">
                 <a:solidFill>
                   <a:schemeClr val="tx2"/>
                 </a:solidFill>
-                <a:latin typeface="+mn-lt"/>
-                <a:ea typeface="+mn-ea"/>
-                <a:cs typeface="+mn-cs"/>
-              </a:defRPr>
-            </a:lvl1pPr>
-            <a:lvl2pPr marL="457200" indent="0" algn="ctr" rtl="0" eaLnBrk="1" latinLnBrk="0" hangingPunct="1">
-              <a:spcBef>
-                <a:spcPts val="324"/>
-              </a:spcBef>
-              <a:buClr>
-                <a:schemeClr val="accent1"/>
-              </a:buClr>
-              <a:buFont typeface="Verdana"/>
-              <a:buNone/>
-              <a:defRPr kumimoji="0" sz="2300" kern="1200">
-                <a:solidFill>
-                  <a:schemeClr val="tx1"/>
-                </a:solidFill>
-                <a:latin typeface="+mn-lt"/>
-                <a:ea typeface="+mn-ea"/>
-                <a:cs typeface="+mn-cs"/>
-              </a:defRPr>
-            </a:lvl2pPr>
-            <a:lvl3pPr marL="914400" indent="0" algn="ctr" rtl="0" eaLnBrk="1" latinLnBrk="0" hangingPunct="1">
-              <a:spcBef>
-                <a:spcPts val="350"/>
-              </a:spcBef>
-              <a:buClr>
-                <a:schemeClr val="accent2"/>
-              </a:buClr>
-              <a:buSzPct val="100000"/>
-              <a:buFont typeface="Wingdings 2"/>
-              <a:buNone/>
-              <a:defRPr kumimoji="0" sz="2100" kern="1200">
-                <a:solidFill>
-                  <a:schemeClr val="tx1"/>
-                </a:solidFill>
-                <a:latin typeface="+mn-lt"/>
-                <a:ea typeface="+mn-ea"/>
-                <a:cs typeface="+mn-cs"/>
-              </a:defRPr>
-            </a:lvl3pPr>
-            <a:lvl4pPr marL="1371600" indent="0" algn="ctr" rtl="0" eaLnBrk="1" latinLnBrk="0" hangingPunct="1">
-              <a:spcBef>
-                <a:spcPts val="350"/>
-              </a:spcBef>
-              <a:buClr>
-                <a:schemeClr val="accent2"/>
-              </a:buClr>
-              <a:buFont typeface="Wingdings 2"/>
-              <a:buNone/>
-              <a:defRPr kumimoji="0" sz="1900" kern="1200">
-                <a:solidFill>
-                  <a:schemeClr val="tx1"/>
-                </a:solidFill>
-                <a:latin typeface="+mn-lt"/>
-                <a:ea typeface="+mn-ea"/>
-                <a:cs typeface="+mn-cs"/>
-              </a:defRPr>
-            </a:lvl4pPr>
-            <a:lvl5pPr marL="1828800" indent="0" algn="ctr" rtl="0" eaLnBrk="1" latinLnBrk="0" hangingPunct="1">
-              <a:spcBef>
-                <a:spcPts val="350"/>
-              </a:spcBef>
-              <a:buClr>
-                <a:schemeClr val="accent2"/>
-              </a:buClr>
-              <a:buFont typeface="Wingdings 2"/>
-              <a:buNone/>
-              <a:defRPr kumimoji="0" sz="1800" kern="1200">
-                <a:solidFill>
-                  <a:schemeClr val="tx1"/>
-                </a:solidFill>
-                <a:latin typeface="+mn-lt"/>
-                <a:ea typeface="+mn-ea"/>
-                <a:cs typeface="+mn-cs"/>
-              </a:defRPr>
-            </a:lvl5pPr>
-            <a:lvl6pPr marL="2286000" indent="0" algn="ctr" rtl="0" eaLnBrk="1" latinLnBrk="0" hangingPunct="1">
-              <a:spcBef>
-                <a:spcPts val="350"/>
-              </a:spcBef>
-              <a:buClr>
-                <a:schemeClr val="accent3"/>
-              </a:buClr>
-              <a:buFont typeface="Wingdings 2"/>
-              <a:buNone/>
-              <a:defRPr kumimoji="0" sz="1800" kern="1200">
-                <a:solidFill>
-                  <a:schemeClr val="tx1"/>
-                </a:solidFill>
-                <a:latin typeface="+mn-lt"/>
-                <a:ea typeface="+mn-ea"/>
-                <a:cs typeface="+mn-cs"/>
-              </a:defRPr>
-            </a:lvl6pPr>
-            <a:lvl7pPr marL="2743200" indent="0" algn="ctr" rtl="0" eaLnBrk="1" latinLnBrk="0" hangingPunct="1">
-              <a:spcBef>
-                <a:spcPts val="350"/>
-              </a:spcBef>
-              <a:buClr>
-                <a:schemeClr val="accent3"/>
-              </a:buClr>
-              <a:buFont typeface="Wingdings 2"/>
-              <a:buNone/>
-              <a:defRPr kumimoji="0" sz="1600" kern="1200">
-                <a:solidFill>
-                  <a:schemeClr val="tx1"/>
-                </a:solidFill>
-                <a:latin typeface="+mn-lt"/>
-                <a:ea typeface="+mn-ea"/>
-                <a:cs typeface="+mn-cs"/>
-              </a:defRPr>
-            </a:lvl7pPr>
-            <a:lvl8pPr marL="3200400" indent="0" algn="ctr" rtl="0" eaLnBrk="1" latinLnBrk="0" hangingPunct="1">
-              <a:spcBef>
-                <a:spcPts val="350"/>
-              </a:spcBef>
-              <a:buClr>
-                <a:schemeClr val="accent3"/>
-              </a:buClr>
-              <a:buFont typeface="Wingdings 2"/>
-              <a:buNone/>
-              <a:defRPr kumimoji="0" sz="1600" kern="1200">
-                <a:solidFill>
-                  <a:schemeClr val="tx1"/>
-                </a:solidFill>
-                <a:latin typeface="+mn-lt"/>
-                <a:ea typeface="+mn-ea"/>
-                <a:cs typeface="+mn-cs"/>
-              </a:defRPr>
-            </a:lvl8pPr>
-            <a:lvl9pPr marL="3657600" indent="0" algn="ctr" rtl="0" eaLnBrk="1" latinLnBrk="0" hangingPunct="1">
-              <a:spcBef>
-                <a:spcPts val="350"/>
-              </a:spcBef>
-              <a:buClr>
-                <a:schemeClr val="accent3"/>
-              </a:buClr>
-              <a:buFont typeface="Wingdings 2"/>
-              <a:buNone/>
-              <a:defRPr kumimoji="0" sz="1600" kern="1200" baseline="0">
-                <a:solidFill>
-                  <a:schemeClr val="tx1"/>
-                </a:solidFill>
-                <a:latin typeface="+mn-lt"/>
-                <a:ea typeface="+mn-ea"/>
-                <a:cs typeface="+mn-cs"/>
-              </a:defRPr>
-            </a:lvl9pPr>
-          </a:lstStyle>
-          <a:p>
-            <a:r>
-              <a:rPr lang="en-US" sz="1300" b="1" dirty="0" smtClean="0"/>
-              <a:t>Tang, </a:t>
-            </a:r>
-            <a:r>
-              <a:rPr lang="en-US" sz="1300" b="1" dirty="0" err="1"/>
-              <a:t>Raymont</a:t>
-            </a:r>
-            <a:r>
-              <a:rPr lang="en-US" sz="1300" b="1" dirty="0"/>
-              <a:t> </a:t>
-            </a:r>
-            <a:r>
-              <a:rPr lang="en-US" sz="1300" b="1" dirty="0" err="1"/>
-              <a:t>McMillion</a:t>
-            </a:r>
-            <a:r>
-              <a:rPr lang="en-US" sz="1300" b="1" dirty="0"/>
-              <a:t>, </a:t>
-            </a:r>
-            <a:r>
-              <a:rPr lang="en-US" sz="1300" b="1" dirty="0" smtClean="0"/>
-              <a:t>Andrew </a:t>
-            </a:r>
-            <a:r>
-              <a:rPr lang="en-US" sz="1300" b="1" dirty="0" err="1"/>
-              <a:t>Rupakhetee</a:t>
-            </a:r>
-            <a:r>
-              <a:rPr lang="en-US" sz="1300" b="1" dirty="0"/>
-              <a:t>, </a:t>
-            </a:r>
-            <a:r>
-              <a:rPr lang="en-US" sz="1300" b="1" dirty="0" err="1" smtClean="0"/>
-              <a:t>Archit</a:t>
-            </a:r>
-            <a:r>
-              <a:rPr lang="en-US" sz="1300" b="1" dirty="0" smtClean="0"/>
-              <a:t> </a:t>
-            </a:r>
-            <a:r>
-              <a:rPr lang="en-US" sz="1300" b="1" dirty="0" err="1" smtClean="0"/>
-              <a:t>Lenig</a:t>
-            </a:r>
-            <a:r>
-              <a:rPr lang="en-US" sz="1300" b="1" dirty="0" smtClean="0"/>
-              <a:t>, Tyler</a:t>
-            </a:r>
-            <a:endParaRPr lang="en-US" sz="1300" dirty="0"/>
+                <a:latin typeface="Lucida Sans Unicode" pitchFamily="34" charset="0"/>
+              </a:rPr>
+              <a:t>Tang, Raymond McMillion, Andrew Rupakhetee, Archit Lenig, Tyler</a:t>
+            </a:r>
+            <a:endParaRPr lang="en-US" sz="1300">
+              <a:solidFill>
+                <a:schemeClr val="tx2"/>
+              </a:solidFill>
+              <a:latin typeface="Lucida Sans Unicode" pitchFamily="34" charset="0"/>
+            </a:endParaRPr>
           </a:p>
         </p:txBody>
       </p:sp>
     </p:spTree>
-    <p:extLst>
-      <p:ext uri="{BB962C8B-B14F-4D97-AF65-F5344CB8AC3E}">
-        <p14:creationId xmlns:p14="http://schemas.microsoft.com/office/powerpoint/2010/main" val="38165764"/>
-      </p:ext>
-    </p:extLst>
   </p:cSld>
   <p:clrMapOvr>
     <a:masterClrMapping/>
@@ -4891,7 +5412,7 @@
       </p:grpSpPr>
       <p:sp>
         <p:nvSpPr>
-          <p:cNvPr id="2" name="Content Placeholder 1"/>
+          <p:cNvPr id="10242" name="Content Placeholder 1"/>
           <p:cNvSpPr>
             <a:spLocks noGrp="1"/>
           </p:cNvSpPr>
@@ -4901,37 +5422,65 @@
         </p:nvSpPr>
         <p:spPr>
           <a:xfrm>
-            <a:off x="457200" y="1481328"/>
-            <a:ext cx="8229600" cy="4690872"/>
+            <a:off x="457200" y="1481138"/>
+            <a:ext cx="8534400" cy="4691062"/>
           </a:xfrm>
         </p:spPr>
         <p:txBody>
           <a:bodyPr/>
           <a:lstStyle/>
           <a:p>
-            <a:pPr lvl="2"/>
-            <a:r>
-              <a:rPr lang="en-US" sz="2800" dirty="0" smtClean="0"/>
+            <a:pPr lvl="2" eaLnBrk="1" hangingPunct="1"/>
+            <a:r>
+              <a:rPr lang="en-US" sz="2800" smtClean="0"/>
               <a:t>Swinging Arm</a:t>
             </a:r>
           </a:p>
           <a:p>
-            <a:pPr lvl="2"/>
-            <a:r>
-              <a:rPr lang="en-US" sz="2800" dirty="0" smtClean="0"/>
-              <a:t>Movement with noises</a:t>
-            </a:r>
-          </a:p>
-          <a:p>
-            <a:pPr lvl="2"/>
-            <a:r>
-              <a:rPr lang="en-US" sz="2800" dirty="0" smtClean="0"/>
-              <a:t>Controllable with button press</a:t>
-            </a:r>
-          </a:p>
-          <a:p>
-            <a:pPr lvl="2"/>
-            <a:endParaRPr lang="en-US" dirty="0"/>
+            <a:pPr lvl="2" eaLnBrk="1" hangingPunct="1"/>
+            <a:r>
+              <a:rPr lang="en-US" sz="2800" smtClean="0"/>
+              <a:t>Movement with sounds</a:t>
+            </a:r>
+          </a:p>
+          <a:p>
+            <a:pPr lvl="2" eaLnBrk="1" hangingPunct="1"/>
+            <a:r>
+              <a:rPr lang="en-US" sz="2800" smtClean="0"/>
+              <a:t>WASD continuous-movement controls</a:t>
+            </a:r>
+          </a:p>
+          <a:p>
+            <a:pPr lvl="2" eaLnBrk="1" hangingPunct="1"/>
+            <a:r>
+              <a:rPr lang="en-US" sz="2800" smtClean="0"/>
+              <a:t>Arc movement</a:t>
+            </a:r>
+          </a:p>
+          <a:p>
+            <a:pPr lvl="2" eaLnBrk="1" hangingPunct="1"/>
+            <a:r>
+              <a:rPr lang="en-US" sz="2800" smtClean="0"/>
+              <a:t>Text macros</a:t>
+            </a:r>
+          </a:p>
+          <a:p>
+            <a:pPr lvl="2" eaLnBrk="1" hangingPunct="1"/>
+            <a:r>
+              <a:rPr lang="en-US" sz="2800" smtClean="0"/>
+              <a:t>Connect and disconnect functionality</a:t>
+            </a:r>
+          </a:p>
+          <a:p>
+            <a:pPr lvl="2" eaLnBrk="1" hangingPunct="1"/>
+            <a:r>
+              <a:rPr lang="en-US" sz="2800" smtClean="0"/>
+              <a:t>Speed-increment and -decrement hotkeys</a:t>
+            </a:r>
+          </a:p>
+          <a:p>
+            <a:pPr lvl="2" eaLnBrk="1" hangingPunct="1"/>
+            <a:endParaRPr lang="en-US" smtClean="0"/>
           </a:p>
         </p:txBody>
       </p:sp>
@@ -4947,11 +5496,15 @@
         </p:nvSpPr>
         <p:spPr/>
         <p:txBody>
-          <a:bodyPr>
-            <a:normAutofit/>
-          </a:bodyPr>
+          <a:bodyPr/>
           <a:lstStyle/>
           <a:p>
+            <a:pPr eaLnBrk="1" fontAlgn="auto" hangingPunct="1">
+              <a:spcAft>
+                <a:spcPts val="0"/>
+              </a:spcAft>
+              <a:defRPr/>
+            </a:pPr>
             <a:r>
               <a:rPr lang="en-US" dirty="0" smtClean="0"/>
               <a:t>Cool Features</a:t>
@@ -4961,11 +5514,6 @@
         </p:txBody>
       </p:sp>
     </p:spTree>
-    <p:extLst>
-      <p:ext uri="{BB962C8B-B14F-4D97-AF65-F5344CB8AC3E}">
-        <p14:creationId xmlns:p14="http://schemas.microsoft.com/office/powerpoint/2010/main" val="3947077150"/>
-      </p:ext>
-    </p:extLst>
   </p:cSld>
   <p:clrMapOvr>
     <a:masterClrMapping/>
@@ -4999,7 +5547,7 @@
       </p:grpSpPr>
       <p:sp>
         <p:nvSpPr>
-          <p:cNvPr id="2" name="Content Placeholder 1"/>
+          <p:cNvPr id="11266" name="Content Placeholder 1"/>
           <p:cNvSpPr>
             <a:spLocks noGrp="1"/>
           </p:cNvSpPr>
@@ -5012,78 +5560,86 @@
           <a:bodyPr/>
           <a:lstStyle/>
           <a:p>
+            <a:pPr eaLnBrk="1" hangingPunct="1"/>
             <a:r>
               <a:rPr lang="en-US" dirty="0" smtClean="0"/>
               <a:t>Good</a:t>
             </a:r>
           </a:p>
           <a:p>
-            <a:pPr lvl="1"/>
-            <a:r>
-              <a:rPr lang="en-US" dirty="0" smtClean="0"/>
-              <a:t>Having specification</a:t>
-            </a:r>
-          </a:p>
-          <a:p>
-            <a:pPr lvl="1"/>
-            <a:r>
-              <a:rPr lang="en-US" dirty="0" smtClean="0"/>
+            <a:pPr lvl="1" eaLnBrk="1" hangingPunct="1"/>
+            <a:r>
+              <a:rPr lang="en-US" sz="2000" dirty="0" smtClean="0"/>
               <a:t>Specifying communications protocol before starting</a:t>
             </a:r>
           </a:p>
           <a:p>
-            <a:pPr lvl="1"/>
-            <a:r>
-              <a:rPr lang="en-US" dirty="0" smtClean="0"/>
+            <a:pPr lvl="1" eaLnBrk="1" hangingPunct="1"/>
+            <a:r>
+              <a:rPr lang="en-US" sz="2000" dirty="0" smtClean="0"/>
               <a:t>Consistent meeting times</a:t>
             </a:r>
           </a:p>
           <a:p>
+            <a:pPr lvl="1" eaLnBrk="1" hangingPunct="1"/>
+            <a:r>
+              <a:rPr lang="en-US" sz="2000" dirty="0" smtClean="0"/>
+              <a:t>Got to work with others to complete a significant project</a:t>
+            </a:r>
+          </a:p>
+          <a:p>
+            <a:pPr lvl="1" eaLnBrk="1" hangingPunct="1"/>
+            <a:r>
+              <a:rPr lang="en-US" sz="2000" dirty="0" smtClean="0"/>
+              <a:t>Learned to communicate via singular point-of-contact</a:t>
+            </a:r>
+          </a:p>
+          <a:p>
+            <a:pPr eaLnBrk="1" hangingPunct="1"/>
             <a:r>
               <a:rPr lang="en-US" dirty="0" smtClean="0"/>
               <a:t>Bad</a:t>
             </a:r>
           </a:p>
           <a:p>
-            <a:pPr lvl="1"/>
-            <a:r>
-              <a:rPr lang="en-US" dirty="0" smtClean="0"/>
-              <a:t>API for </a:t>
-            </a:r>
-            <a:r>
-              <a:rPr lang="en-US" dirty="0" err="1" smtClean="0"/>
+            <a:pPr lvl="1" eaLnBrk="1" hangingPunct="1"/>
+            <a:r>
+              <a:rPr lang="en-US" sz="2000" dirty="0" err="1" smtClean="0"/>
               <a:t>LejOS</a:t>
             </a:r>
-            <a:endParaRPr lang="en-US" dirty="0" smtClean="0"/>
-          </a:p>
-          <a:p>
-            <a:pPr lvl="1"/>
-            <a:r>
-              <a:rPr lang="en-US" dirty="0" err="1" smtClean="0"/>
-              <a:t>LejOS</a:t>
-            </a:r>
-            <a:r>
-              <a:rPr lang="en-US" dirty="0" smtClean="0"/>
-              <a:t> has poor support for other operating systems</a:t>
-            </a:r>
-          </a:p>
-          <a:p>
+            <a:r>
+              <a:rPr lang="en-US" sz="2000" dirty="0" smtClean="0"/>
+              <a:t>: API and poor support for other operating systems</a:t>
+            </a:r>
+          </a:p>
+          <a:p>
+            <a:pPr lvl="1" eaLnBrk="1" hangingPunct="1"/>
+            <a:r>
+              <a:rPr lang="en-US" sz="2000" dirty="0" smtClean="0"/>
+              <a:t>Making schedules work together</a:t>
+            </a:r>
+          </a:p>
+          <a:p>
+            <a:pPr lvl="1" eaLnBrk="1" hangingPunct="1"/>
+            <a:r>
+              <a:rPr lang="en-US" sz="2000" dirty="0" smtClean="0"/>
+              <a:t>Learning curve with third-party tools</a:t>
+            </a:r>
+          </a:p>
+          <a:p>
+            <a:pPr eaLnBrk="1" hangingPunct="1"/>
             <a:r>
               <a:rPr lang="en-US" dirty="0" smtClean="0"/>
               <a:t>Ugly</a:t>
             </a:r>
           </a:p>
           <a:p>
-            <a:pPr lvl="1"/>
-            <a:r>
-              <a:rPr lang="en-US" dirty="0" smtClean="0"/>
+            <a:pPr lvl="1" eaLnBrk="1" hangingPunct="1"/>
+            <a:r>
+              <a:rPr lang="en-US" sz="2000" dirty="0" smtClean="0"/>
               <a:t>Robot missing during meeting</a:t>
             </a:r>
-            <a:endParaRPr lang="en-US" dirty="0" smtClean="0"/>
-          </a:p>
-          <a:p>
-            <a:pPr lvl="1"/>
-            <a:endParaRPr lang="en-US" dirty="0"/>
+            <a:endParaRPr lang="en-US" sz="2000" dirty="0" smtClean="0"/>
           </a:p>
         </p:txBody>
       </p:sp>
@@ -5099,11 +5655,15 @@
         </p:nvSpPr>
         <p:spPr/>
         <p:txBody>
-          <a:bodyPr>
-            <a:normAutofit/>
-          </a:bodyPr>
+          <a:bodyPr/>
           <a:lstStyle/>
           <a:p>
+            <a:pPr eaLnBrk="1" fontAlgn="auto" hangingPunct="1">
+              <a:spcAft>
+                <a:spcPts val="0"/>
+              </a:spcAft>
+              <a:defRPr/>
+            </a:pPr>
             <a:r>
               <a:rPr lang="en-US" dirty="0" smtClean="0"/>
               <a:t>Development Experiences</a:t>
@@ -5113,11 +5673,6 @@
         </p:txBody>
       </p:sp>
     </p:spTree>
-    <p:extLst>
-      <p:ext uri="{BB962C8B-B14F-4D97-AF65-F5344CB8AC3E}">
-        <p14:creationId xmlns:p14="http://schemas.microsoft.com/office/powerpoint/2010/main" val="1203182881"/>
-      </p:ext>
-    </p:extLst>
   </p:cSld>
   <p:clrMapOvr>
     <a:masterClrMapping/>
@@ -5417,4 +5972,176 @@
   <a:objectDefaults/>
   <a:extraClrSchemeLst/>
 </a:theme>
+</file>
+
+<file path=ppt/theme/themeOverride1.xml><?xml version="1.0" encoding="utf-8"?>
+<a:themeOverride xmlns:a="http://schemas.openxmlformats.org/drawingml/2006/main">
+  <a:clrScheme name="Concourse">
+    <a:dk1>
+      <a:sysClr val="windowText" lastClr="000000"/>
+    </a:dk1>
+    <a:lt1>
+      <a:sysClr val="window" lastClr="FFFFFF"/>
+    </a:lt1>
+    <a:dk2>
+      <a:srgbClr val="464646"/>
+    </a:dk2>
+    <a:lt2>
+      <a:srgbClr val="DEF5FA"/>
+    </a:lt2>
+    <a:accent1>
+      <a:srgbClr val="2DA2BF"/>
+    </a:accent1>
+    <a:accent2>
+      <a:srgbClr val="DA1F28"/>
+    </a:accent2>
+    <a:accent3>
+      <a:srgbClr val="EB641B"/>
+    </a:accent3>
+    <a:accent4>
+      <a:srgbClr val="39639D"/>
+    </a:accent4>
+    <a:accent5>
+      <a:srgbClr val="474B78"/>
+    </a:accent5>
+    <a:accent6>
+      <a:srgbClr val="7D3C4A"/>
+    </a:accent6>
+    <a:hlink>
+      <a:srgbClr val="FF8119"/>
+    </a:hlink>
+    <a:folHlink>
+      <a:srgbClr val="44B9E8"/>
+    </a:folHlink>
+  </a:clrScheme>
+</a:themeOverride>
+</file>
+
+<file path=ppt/theme/themeOverride2.xml><?xml version="1.0" encoding="utf-8"?>
+<a:themeOverride xmlns:a="http://schemas.openxmlformats.org/drawingml/2006/main">
+  <a:clrScheme name="Concourse">
+    <a:dk1>
+      <a:sysClr val="windowText" lastClr="000000"/>
+    </a:dk1>
+    <a:lt1>
+      <a:sysClr val="window" lastClr="FFFFFF"/>
+    </a:lt1>
+    <a:dk2>
+      <a:srgbClr val="464646"/>
+    </a:dk2>
+    <a:lt2>
+      <a:srgbClr val="DEF5FA"/>
+    </a:lt2>
+    <a:accent1>
+      <a:srgbClr val="2DA2BF"/>
+    </a:accent1>
+    <a:accent2>
+      <a:srgbClr val="DA1F28"/>
+    </a:accent2>
+    <a:accent3>
+      <a:srgbClr val="EB641B"/>
+    </a:accent3>
+    <a:accent4>
+      <a:srgbClr val="39639D"/>
+    </a:accent4>
+    <a:accent5>
+      <a:srgbClr val="474B78"/>
+    </a:accent5>
+    <a:accent6>
+      <a:srgbClr val="7D3C4A"/>
+    </a:accent6>
+    <a:hlink>
+      <a:srgbClr val="FF8119"/>
+    </a:hlink>
+    <a:folHlink>
+      <a:srgbClr val="44B9E8"/>
+    </a:folHlink>
+  </a:clrScheme>
+</a:themeOverride>
+</file>
+
+<file path=ppt/theme/themeOverride3.xml><?xml version="1.0" encoding="utf-8"?>
+<a:themeOverride xmlns:a="http://schemas.openxmlformats.org/drawingml/2006/main">
+  <a:clrScheme name="Concourse">
+    <a:dk1>
+      <a:sysClr val="windowText" lastClr="000000"/>
+    </a:dk1>
+    <a:lt1>
+      <a:sysClr val="window" lastClr="FFFFFF"/>
+    </a:lt1>
+    <a:dk2>
+      <a:srgbClr val="464646"/>
+    </a:dk2>
+    <a:lt2>
+      <a:srgbClr val="DEF5FA"/>
+    </a:lt2>
+    <a:accent1>
+      <a:srgbClr val="2DA2BF"/>
+    </a:accent1>
+    <a:accent2>
+      <a:srgbClr val="DA1F28"/>
+    </a:accent2>
+    <a:accent3>
+      <a:srgbClr val="EB641B"/>
+    </a:accent3>
+    <a:accent4>
+      <a:srgbClr val="39639D"/>
+    </a:accent4>
+    <a:accent5>
+      <a:srgbClr val="474B78"/>
+    </a:accent5>
+    <a:accent6>
+      <a:srgbClr val="7D3C4A"/>
+    </a:accent6>
+    <a:hlink>
+      <a:srgbClr val="FF8119"/>
+    </a:hlink>
+    <a:folHlink>
+      <a:srgbClr val="44B9E8"/>
+    </a:folHlink>
+  </a:clrScheme>
+</a:themeOverride>
+</file>
+
+<file path=ppt/theme/themeOverride4.xml><?xml version="1.0" encoding="utf-8"?>
+<a:themeOverride xmlns:a="http://schemas.openxmlformats.org/drawingml/2006/main">
+  <a:clrScheme name="Concourse">
+    <a:dk1>
+      <a:sysClr val="windowText" lastClr="000000"/>
+    </a:dk1>
+    <a:lt1>
+      <a:sysClr val="window" lastClr="FFFFFF"/>
+    </a:lt1>
+    <a:dk2>
+      <a:srgbClr val="464646"/>
+    </a:dk2>
+    <a:lt2>
+      <a:srgbClr val="DEF5FA"/>
+    </a:lt2>
+    <a:accent1>
+      <a:srgbClr val="2DA2BF"/>
+    </a:accent1>
+    <a:accent2>
+      <a:srgbClr val="DA1F28"/>
+    </a:accent2>
+    <a:accent3>
+      <a:srgbClr val="EB641B"/>
+    </a:accent3>
+    <a:accent4>
+      <a:srgbClr val="39639D"/>
+    </a:accent4>
+    <a:accent5>
+      <a:srgbClr val="474B78"/>
+    </a:accent5>
+    <a:accent6>
+      <a:srgbClr val="7D3C4A"/>
+    </a:accent6>
+    <a:hlink>
+      <a:srgbClr val="FF8119"/>
+    </a:hlink>
+    <a:folHlink>
+      <a:srgbClr val="44B9E8"/>
+    </a:folHlink>
+  </a:clrScheme>
+</a:themeOverride>
 </file>